--- a/slide.pptx
+++ b/slide.pptx
@@ -5,7 +5,7 @@
     <p:sldMasterId id="2147483648" r:id="rId1"/>
   </p:sldMasterIdLst>
   <p:notesMasterIdLst>
-    <p:notesMasterId r:id="rId15"/>
+    <p:notesMasterId r:id="rId16"/>
   </p:notesMasterIdLst>
   <p:sldIdLst>
     <p:sldId id="264" r:id="rId2"/>
@@ -14,13 +14,14 @@
     <p:sldId id="297" r:id="rId5"/>
     <p:sldId id="299" r:id="rId6"/>
     <p:sldId id="298" r:id="rId7"/>
-    <p:sldId id="301" r:id="rId8"/>
-    <p:sldId id="302" r:id="rId9"/>
-    <p:sldId id="303" r:id="rId10"/>
-    <p:sldId id="304" r:id="rId11"/>
-    <p:sldId id="305" r:id="rId12"/>
-    <p:sldId id="300" r:id="rId13"/>
-    <p:sldId id="290" r:id="rId14"/>
+    <p:sldId id="306" r:id="rId8"/>
+    <p:sldId id="301" r:id="rId9"/>
+    <p:sldId id="302" r:id="rId10"/>
+    <p:sldId id="303" r:id="rId11"/>
+    <p:sldId id="304" r:id="rId12"/>
+    <p:sldId id="305" r:id="rId13"/>
+    <p:sldId id="300" r:id="rId14"/>
+    <p:sldId id="290" r:id="rId15"/>
   </p:sldIdLst>
   <p:sldSz cx="12192000" cy="6858000"/>
   <p:notesSz cx="6858000" cy="9144000"/>
@@ -656,7 +657,7 @@
     </p:spTree>
     <p:extLst>
       <p:ext uri="{BB962C8B-B14F-4D97-AF65-F5344CB8AC3E}">
-        <p14:creationId xmlns:p14="http://schemas.microsoft.com/office/powerpoint/2010/main" val="1122835211"/>
+        <p14:creationId xmlns:p14="http://schemas.microsoft.com/office/powerpoint/2010/main" val="3020081030"/>
       </p:ext>
     </p:extLst>
   </p:cSld>
@@ -761,7 +762,7 @@
     </p:spTree>
     <p:extLst>
       <p:ext uri="{BB962C8B-B14F-4D97-AF65-F5344CB8AC3E}">
-        <p14:creationId xmlns:p14="http://schemas.microsoft.com/office/powerpoint/2010/main" val="451941735"/>
+        <p14:creationId xmlns:p14="http://schemas.microsoft.com/office/powerpoint/2010/main" val="1122835211"/>
       </p:ext>
     </p:extLst>
   </p:cSld>
@@ -866,7 +867,7 @@
     </p:spTree>
     <p:extLst>
       <p:ext uri="{BB962C8B-B14F-4D97-AF65-F5344CB8AC3E}">
-        <p14:creationId xmlns:p14="http://schemas.microsoft.com/office/powerpoint/2010/main" val="823303213"/>
+        <p14:creationId xmlns:p14="http://schemas.microsoft.com/office/powerpoint/2010/main" val="451941735"/>
       </p:ext>
     </p:extLst>
   </p:cSld>
@@ -921,17 +922,26 @@
           <a:lstStyle/>
           <a:p>
             <a:r>
-              <a:rPr lang="zh-CN" altLang="en-US" sz="1200" b="0" i="0" kern="1200" dirty="0">
-                <a:solidFill>
-                  <a:schemeClr val="tx1"/>
-                </a:solidFill>
-                <a:effectLst/>
-                <a:latin typeface="+mn-lt"/>
-                <a:ea typeface="+mn-ea"/>
-                <a:cs typeface="+mn-cs"/>
-              </a:rPr>
-              <a:t>以上就是我对毕设工作的介绍，感谢各位老师百忙之中抽出时间参加我的论文答辩，恳请各位老师批评指导，谢谢！</a:t>
+              <a:rPr lang="zh-CN" altLang="en-US" dirty="0"/>
+              <a:t>在当今社会中，移动机器人应用广泛，并且智能化水平不断提高；</a:t>
             </a:r>
+            <a:endParaRPr lang="en-US" altLang="zh-CN" dirty="0"/>
+          </a:p>
+          <a:p>
+            <a:r>
+              <a:rPr lang="zh-CN" altLang="en-US" dirty="0"/>
+              <a:t>而轨迹规划是移动机器人的关键技术与研究热点之一。</a:t>
+            </a:r>
+            <a:endParaRPr lang="en-US" altLang="zh-CN" dirty="0"/>
+          </a:p>
+          <a:p>
+            <a:r>
+              <a:rPr lang="zh-CN" altLang="en-US" dirty="0"/>
+              <a:t>轨迹规划是为智能体规划一条可行的运动轨迹，并尽量满足任务的优化条件。</a:t>
+            </a:r>
+            <a:endParaRPr lang="en-US" altLang="zh-CN" dirty="0"/>
+          </a:p>
+          <a:p>
             <a:endParaRPr lang="zh-CN" altLang="en-US" dirty="0"/>
           </a:p>
         </p:txBody>
@@ -954,6 +964,102 @@
             <a:fld id="{77FAC00E-C3D4-415A-80DD-83EE5D584881}" type="slidenum">
               <a:rPr lang="zh-CN" altLang="en-US" smtClean="0"/>
               <a:t>13</a:t>
+            </a:fld>
+            <a:endParaRPr lang="zh-CN" altLang="en-US"/>
+          </a:p>
+        </p:txBody>
+      </p:sp>
+    </p:spTree>
+    <p:extLst>
+      <p:ext uri="{BB962C8B-B14F-4D97-AF65-F5344CB8AC3E}">
+        <p14:creationId xmlns:p14="http://schemas.microsoft.com/office/powerpoint/2010/main" val="823303213"/>
+      </p:ext>
+    </p:extLst>
+  </p:cSld>
+  <p:clrMapOvr>
+    <a:masterClrMapping/>
+  </p:clrMapOvr>
+</p:notes>
+</file>
+
+<file path=ppt/notesSlides/notesSlide14.xml><?xml version="1.0" encoding="utf-8"?>
+<p:notes xmlns:a="http://schemas.openxmlformats.org/drawingml/2006/main" xmlns:r="http://schemas.openxmlformats.org/officeDocument/2006/relationships" xmlns:p="http://schemas.openxmlformats.org/presentationml/2006/main">
+  <p:cSld>
+    <p:spTree>
+      <p:nvGrpSpPr>
+        <p:cNvPr id="1" name=""/>
+        <p:cNvGrpSpPr/>
+        <p:nvPr/>
+      </p:nvGrpSpPr>
+      <p:grpSpPr>
+        <a:xfrm>
+          <a:off x="0" y="0"/>
+          <a:ext cx="0" cy="0"/>
+          <a:chOff x="0" y="0"/>
+          <a:chExt cx="0" cy="0"/>
+        </a:xfrm>
+      </p:grpSpPr>
+      <p:sp>
+        <p:nvSpPr>
+          <p:cNvPr id="2" name="幻灯片图像占位符 1"/>
+          <p:cNvSpPr>
+            <a:spLocks noGrp="1" noRot="1" noChangeAspect="1"/>
+          </p:cNvSpPr>
+          <p:nvPr>
+            <p:ph type="sldImg"/>
+          </p:nvPr>
+        </p:nvSpPr>
+        <p:spPr/>
+      </p:sp>
+      <p:sp>
+        <p:nvSpPr>
+          <p:cNvPr id="3" name="备注占位符 2"/>
+          <p:cNvSpPr>
+            <a:spLocks noGrp="1"/>
+          </p:cNvSpPr>
+          <p:nvPr>
+            <p:ph type="body" idx="1"/>
+          </p:nvPr>
+        </p:nvSpPr>
+        <p:spPr/>
+        <p:txBody>
+          <a:bodyPr/>
+          <a:lstStyle/>
+          <a:p>
+            <a:r>
+              <a:rPr lang="zh-CN" altLang="en-US" sz="1200" b="0" i="0" kern="1200" dirty="0">
+                <a:solidFill>
+                  <a:schemeClr val="tx1"/>
+                </a:solidFill>
+                <a:effectLst/>
+                <a:latin typeface="+mn-lt"/>
+                <a:ea typeface="+mn-ea"/>
+                <a:cs typeface="+mn-cs"/>
+              </a:rPr>
+              <a:t>以上就是我对毕设工作的介绍，感谢各位老师百忙之中抽出时间参加我的论文答辩，恳请各位老师批评指导，谢谢！</a:t>
+            </a:r>
+            <a:endParaRPr lang="zh-CN" altLang="en-US" dirty="0"/>
+          </a:p>
+        </p:txBody>
+      </p:sp>
+      <p:sp>
+        <p:nvSpPr>
+          <p:cNvPr id="4" name="灯片编号占位符 3"/>
+          <p:cNvSpPr>
+            <a:spLocks noGrp="1"/>
+          </p:cNvSpPr>
+          <p:nvPr>
+            <p:ph type="sldNum" sz="quarter" idx="5"/>
+          </p:nvPr>
+        </p:nvSpPr>
+        <p:spPr/>
+        <p:txBody>
+          <a:bodyPr/>
+          <a:lstStyle/>
+          <a:p>
+            <a:fld id="{77FAC00E-C3D4-415A-80DD-83EE5D584881}" type="slidenum">
+              <a:rPr lang="zh-CN" altLang="en-US" smtClean="0"/>
+              <a:t>14</a:t>
             </a:fld>
             <a:endParaRPr lang="zh-CN" altLang="en-US"/>
           </a:p>
@@ -1574,7 +1680,7 @@
     </p:spTree>
     <p:extLst>
       <p:ext uri="{BB962C8B-B14F-4D97-AF65-F5344CB8AC3E}">
-        <p14:creationId xmlns:p14="http://schemas.microsoft.com/office/powerpoint/2010/main" val="2404103002"/>
+        <p14:creationId xmlns:p14="http://schemas.microsoft.com/office/powerpoint/2010/main" val="47049349"/>
       </p:ext>
     </p:extLst>
   </p:cSld>
@@ -1679,7 +1785,7 @@
     </p:spTree>
     <p:extLst>
       <p:ext uri="{BB962C8B-B14F-4D97-AF65-F5344CB8AC3E}">
-        <p14:creationId xmlns:p14="http://schemas.microsoft.com/office/powerpoint/2010/main" val="1920582854"/>
+        <p14:creationId xmlns:p14="http://schemas.microsoft.com/office/powerpoint/2010/main" val="2404103002"/>
       </p:ext>
     </p:extLst>
   </p:cSld>
@@ -1784,7 +1890,7 @@
     </p:spTree>
     <p:extLst>
       <p:ext uri="{BB962C8B-B14F-4D97-AF65-F5344CB8AC3E}">
-        <p14:creationId xmlns:p14="http://schemas.microsoft.com/office/powerpoint/2010/main" val="3020081030"/>
+        <p14:creationId xmlns:p14="http://schemas.microsoft.com/office/powerpoint/2010/main" val="1920582854"/>
       </p:ext>
     </p:extLst>
   </p:cSld>
@@ -8788,7 +8894,7 @@
           <p:cNvPr id="12" name="图片 11">
             <a:extLst>
               <a:ext uri="{FF2B5EF4-FFF2-40B4-BE49-F238E27FC236}">
-                <a16:creationId xmlns:a16="http://schemas.microsoft.com/office/drawing/2014/main" id="{6F492F54-1D3B-40A3-87BA-F7DC34A753A6}"/>
+                <a16:creationId xmlns:a16="http://schemas.microsoft.com/office/drawing/2014/main" id="{0A3039C2-6AB3-4BE0-9213-5C24049B970F}"/>
               </a:ext>
             </a:extLst>
           </p:cNvPr>
@@ -8805,8 +8911,8 @@
         </p:blipFill>
         <p:spPr>
           <a:xfrm>
-            <a:off x="3860427" y="2492642"/>
-            <a:ext cx="6515100" cy="1838325"/>
+            <a:off x="2509277" y="1773565"/>
+            <a:ext cx="8715375" cy="4076700"/>
           </a:xfrm>
           <a:prstGeom prst="rect">
             <a:avLst/>
@@ -8815,10 +8921,10 @@
       </p:pic>
       <p:sp>
         <p:nvSpPr>
-          <p:cNvPr id="13" name="箭头: 右 12">
+          <p:cNvPr id="18" name="箭头: 右 17">
             <a:extLst>
               <a:ext uri="{FF2B5EF4-FFF2-40B4-BE49-F238E27FC236}">
-                <a16:creationId xmlns:a16="http://schemas.microsoft.com/office/drawing/2014/main" id="{D782E13E-A6D0-41E5-ACC2-62E2AF9E1BC4}"/>
+                <a16:creationId xmlns:a16="http://schemas.microsoft.com/office/drawing/2014/main" id="{1C857124-C0D0-4658-9BF9-5824A7B4CEEE}"/>
               </a:ext>
             </a:extLst>
           </p:cNvPr>
@@ -8827,7 +8933,7 @@
         </p:nvSpPr>
         <p:spPr>
           <a:xfrm>
-            <a:off x="3357739" y="1317196"/>
+            <a:off x="2888990" y="987884"/>
             <a:ext cx="536201" cy="271141"/>
           </a:xfrm>
           <a:prstGeom prst="rightArrow">
@@ -8836,7 +8942,7 @@
           <a:noFill/>
           <a:ln w="28575">
             <a:solidFill>
-              <a:schemeClr val="accent4">
+              <a:schemeClr val="accent5">
                 <a:lumMod val="75000"/>
               </a:schemeClr>
             </a:solidFill>
@@ -8866,7 +8972,7 @@
             <a:pPr algn="ctr"/>
             <a:endParaRPr lang="fr-CA" sz="2000">
               <a:solidFill>
-                <a:schemeClr val="accent4">
+                <a:schemeClr val="accent5">
                   <a:lumMod val="75000"/>
                 </a:schemeClr>
               </a:solidFill>
@@ -8879,10 +8985,10 @@
       </p:sp>
       <p:sp>
         <p:nvSpPr>
-          <p:cNvPr id="14" name="文本框 13">
+          <p:cNvPr id="19" name="文本框 18">
             <a:extLst>
               <a:ext uri="{FF2B5EF4-FFF2-40B4-BE49-F238E27FC236}">
-                <a16:creationId xmlns:a16="http://schemas.microsoft.com/office/drawing/2014/main" id="{13DC0229-14A0-4F24-9502-B6DD007F9234}"/>
+                <a16:creationId xmlns:a16="http://schemas.microsoft.com/office/drawing/2014/main" id="{69BF9B28-E391-4BF0-A4D9-966A7921742C}"/>
               </a:ext>
             </a:extLst>
           </p:cNvPr>
@@ -8891,8 +8997,8 @@
         </p:nvSpPr>
         <p:spPr>
           <a:xfrm>
-            <a:off x="4075726" y="1252708"/>
-            <a:ext cx="1035412" cy="400110"/>
+            <a:off x="3606977" y="933482"/>
+            <a:ext cx="1205779" cy="400110"/>
           </a:xfrm>
           <a:prstGeom prst="rect">
             <a:avLst/>
@@ -8909,9 +9015,9 @@
           <a:lstStyle/>
           <a:p>
             <a:r>
-              <a:rPr lang="fr-CA" sz="2000" dirty="0">
+              <a:rPr lang="fr-CA" sz="2000" dirty="0" err="1">
                 <a:solidFill>
-                  <a:schemeClr val="accent4">
+                  <a:schemeClr val="accent5">
                     <a:lumMod val="75000"/>
                   </a:schemeClr>
                 </a:solidFill>
@@ -8919,17 +9025,27 @@
                 <a:ea typeface="微软雅黑" panose="020B0503020204020204" pitchFamily="34" charset="-122"/>
                 <a:cs typeface="Arial" panose="020B0604020202020204" pitchFamily="34" charset="0"/>
               </a:rPr>
-              <a:t>Thread</a:t>
+              <a:t>OpenCV</a:t>
             </a:r>
+            <a:endParaRPr lang="fr-CA" sz="2000" dirty="0">
+              <a:solidFill>
+                <a:schemeClr val="accent5">
+                  <a:lumMod val="75000"/>
+                </a:schemeClr>
+              </a:solidFill>
+              <a:latin typeface="微软雅黑" panose="020B0503020204020204" pitchFamily="34" charset="-122"/>
+              <a:ea typeface="微软雅黑" panose="020B0503020204020204" pitchFamily="34" charset="-122"/>
+              <a:cs typeface="Arial" panose="020B0604020202020204" pitchFamily="34" charset="0"/>
+            </a:endParaRPr>
           </a:p>
         </p:txBody>
       </p:sp>
       <p:sp>
         <p:nvSpPr>
-          <p:cNvPr id="15" name="箭头: 右 14">
+          <p:cNvPr id="20" name="箭头: 右 19">
             <a:extLst>
               <a:ext uri="{FF2B5EF4-FFF2-40B4-BE49-F238E27FC236}">
-                <a16:creationId xmlns:a16="http://schemas.microsoft.com/office/drawing/2014/main" id="{1050B25E-2A3B-4D25-A4B6-3782B120DB3F}"/>
+                <a16:creationId xmlns:a16="http://schemas.microsoft.com/office/drawing/2014/main" id="{ACA91B01-7B98-4A9E-AF0B-440CA43E2644}"/>
               </a:ext>
             </a:extLst>
           </p:cNvPr>
@@ -8938,7 +9054,7 @@
         </p:nvSpPr>
         <p:spPr>
           <a:xfrm>
-            <a:off x="5670626" y="1317192"/>
+            <a:off x="5201878" y="987881"/>
             <a:ext cx="536201" cy="271141"/>
           </a:xfrm>
           <a:prstGeom prst="rightArrow">
@@ -8947,7 +9063,7 @@
           <a:noFill/>
           <a:ln w="28575">
             <a:solidFill>
-              <a:schemeClr val="accent4">
+              <a:schemeClr val="accent5">
                 <a:lumMod val="75000"/>
               </a:schemeClr>
             </a:solidFill>
@@ -8977,7 +9093,7 @@
             <a:pPr algn="ctr"/>
             <a:endParaRPr lang="fr-CA" sz="2000">
               <a:solidFill>
-                <a:schemeClr val="accent4">
+                <a:schemeClr val="accent5">
                   <a:lumMod val="75000"/>
                 </a:schemeClr>
               </a:solidFill>
@@ -8990,10 +9106,10 @@
       </p:sp>
       <p:pic>
         <p:nvPicPr>
-          <p:cNvPr id="16" name="图片 15">
+          <p:cNvPr id="21" name="图片 20">
             <a:extLst>
               <a:ext uri="{FF2B5EF4-FFF2-40B4-BE49-F238E27FC236}">
-                <a16:creationId xmlns:a16="http://schemas.microsoft.com/office/drawing/2014/main" id="{ABC4A06F-7A4C-4BCE-B760-E96DA7D9D75E}"/>
+                <a16:creationId xmlns:a16="http://schemas.microsoft.com/office/drawing/2014/main" id="{DCB19B41-3580-4CB4-B3A9-B14D47516E66}"/>
               </a:ext>
             </a:extLst>
           </p:cNvPr>
@@ -9010,8 +9126,8 @@
         </p:blipFill>
         <p:spPr>
           <a:xfrm>
-            <a:off x="6610630" y="1359733"/>
-            <a:ext cx="2019300" cy="228600"/>
+            <a:off x="6167255" y="987881"/>
+            <a:ext cx="1876425" cy="238125"/>
           </a:xfrm>
           <a:prstGeom prst="rect">
             <a:avLst/>
@@ -9021,7 +9137,7 @@
     </p:spTree>
     <p:extLst>
       <p:ext uri="{BB962C8B-B14F-4D97-AF65-F5344CB8AC3E}">
-        <p14:creationId xmlns:p14="http://schemas.microsoft.com/office/powerpoint/2010/main" val="2641066325"/>
+        <p14:creationId xmlns:p14="http://schemas.microsoft.com/office/powerpoint/2010/main" val="3568213743"/>
       </p:ext>
     </p:extLst>
   </p:cSld>
@@ -9996,6 +10112,1214 @@
           <p:cNvPr id="12" name="图片 11">
             <a:extLst>
               <a:ext uri="{FF2B5EF4-FFF2-40B4-BE49-F238E27FC236}">
+                <a16:creationId xmlns:a16="http://schemas.microsoft.com/office/drawing/2014/main" id="{6F492F54-1D3B-40A3-87BA-F7DC34A753A6}"/>
+              </a:ext>
+            </a:extLst>
+          </p:cNvPr>
+          <p:cNvPicPr>
+            <a:picLocks noChangeAspect="1"/>
+          </p:cNvPicPr>
+          <p:nvPr/>
+        </p:nvPicPr>
+        <p:blipFill>
+          <a:blip r:embed="rId3"/>
+          <a:stretch>
+            <a:fillRect/>
+          </a:stretch>
+        </p:blipFill>
+        <p:spPr>
+          <a:xfrm>
+            <a:off x="3860427" y="2492642"/>
+            <a:ext cx="6515100" cy="1838325"/>
+          </a:xfrm>
+          <a:prstGeom prst="rect">
+            <a:avLst/>
+          </a:prstGeom>
+        </p:spPr>
+      </p:pic>
+      <p:sp>
+        <p:nvSpPr>
+          <p:cNvPr id="13" name="箭头: 右 12">
+            <a:extLst>
+              <a:ext uri="{FF2B5EF4-FFF2-40B4-BE49-F238E27FC236}">
+                <a16:creationId xmlns:a16="http://schemas.microsoft.com/office/drawing/2014/main" id="{D782E13E-A6D0-41E5-ACC2-62E2AF9E1BC4}"/>
+              </a:ext>
+            </a:extLst>
+          </p:cNvPr>
+          <p:cNvSpPr/>
+          <p:nvPr/>
+        </p:nvSpPr>
+        <p:spPr>
+          <a:xfrm>
+            <a:off x="3357739" y="1317196"/>
+            <a:ext cx="536201" cy="271141"/>
+          </a:xfrm>
+          <a:prstGeom prst="rightArrow">
+            <a:avLst/>
+          </a:prstGeom>
+          <a:noFill/>
+          <a:ln w="28575">
+            <a:solidFill>
+              <a:schemeClr val="accent4">
+                <a:lumMod val="75000"/>
+              </a:schemeClr>
+            </a:solidFill>
+            <a:prstDash val="sysDash"/>
+          </a:ln>
+        </p:spPr>
+        <p:style>
+          <a:lnRef idx="2">
+            <a:schemeClr val="accent1">
+              <a:shade val="50000"/>
+            </a:schemeClr>
+          </a:lnRef>
+          <a:fillRef idx="1">
+            <a:schemeClr val="accent1"/>
+          </a:fillRef>
+          <a:effectRef idx="0">
+            <a:schemeClr val="accent1"/>
+          </a:effectRef>
+          <a:fontRef idx="minor">
+            <a:schemeClr val="lt1"/>
+          </a:fontRef>
+        </p:style>
+        <p:txBody>
+          <a:bodyPr rtlCol="0" anchor="ctr"/>
+          <a:lstStyle/>
+          <a:p>
+            <a:pPr algn="ctr"/>
+            <a:endParaRPr lang="fr-CA" sz="2000">
+              <a:solidFill>
+                <a:schemeClr val="accent4">
+                  <a:lumMod val="75000"/>
+                </a:schemeClr>
+              </a:solidFill>
+              <a:latin typeface="微软雅黑" panose="020B0503020204020204" pitchFamily="34" charset="-122"/>
+              <a:ea typeface="微软雅黑" panose="020B0503020204020204" pitchFamily="34" charset="-122"/>
+              <a:cs typeface="Arial" panose="020B0604020202020204" pitchFamily="34" charset="0"/>
+            </a:endParaRPr>
+          </a:p>
+        </p:txBody>
+      </p:sp>
+      <p:sp>
+        <p:nvSpPr>
+          <p:cNvPr id="14" name="文本框 13">
+            <a:extLst>
+              <a:ext uri="{FF2B5EF4-FFF2-40B4-BE49-F238E27FC236}">
+                <a16:creationId xmlns:a16="http://schemas.microsoft.com/office/drawing/2014/main" id="{13DC0229-14A0-4F24-9502-B6DD007F9234}"/>
+              </a:ext>
+            </a:extLst>
+          </p:cNvPr>
+          <p:cNvSpPr txBox="1"/>
+          <p:nvPr/>
+        </p:nvSpPr>
+        <p:spPr>
+          <a:xfrm>
+            <a:off x="4075726" y="1252708"/>
+            <a:ext cx="1035412" cy="400110"/>
+          </a:xfrm>
+          <a:prstGeom prst="rect">
+            <a:avLst/>
+          </a:prstGeom>
+          <a:noFill/>
+          <a:ln>
+            <a:noFill/>
+          </a:ln>
+        </p:spPr>
+        <p:txBody>
+          <a:bodyPr wrap="none" rtlCol="0">
+            <a:spAutoFit/>
+          </a:bodyPr>
+          <a:lstStyle/>
+          <a:p>
+            <a:r>
+              <a:rPr lang="fr-CA" sz="2000" dirty="0">
+                <a:solidFill>
+                  <a:schemeClr val="accent4">
+                    <a:lumMod val="75000"/>
+                  </a:schemeClr>
+                </a:solidFill>
+                <a:latin typeface="微软雅黑" panose="020B0503020204020204" pitchFamily="34" charset="-122"/>
+                <a:ea typeface="微软雅黑" panose="020B0503020204020204" pitchFamily="34" charset="-122"/>
+                <a:cs typeface="Arial" panose="020B0604020202020204" pitchFamily="34" charset="0"/>
+              </a:rPr>
+              <a:t>Thread</a:t>
+            </a:r>
+          </a:p>
+        </p:txBody>
+      </p:sp>
+      <p:sp>
+        <p:nvSpPr>
+          <p:cNvPr id="15" name="箭头: 右 14">
+            <a:extLst>
+              <a:ext uri="{FF2B5EF4-FFF2-40B4-BE49-F238E27FC236}">
+                <a16:creationId xmlns:a16="http://schemas.microsoft.com/office/drawing/2014/main" id="{1050B25E-2A3B-4D25-A4B6-3782B120DB3F}"/>
+              </a:ext>
+            </a:extLst>
+          </p:cNvPr>
+          <p:cNvSpPr/>
+          <p:nvPr/>
+        </p:nvSpPr>
+        <p:spPr>
+          <a:xfrm>
+            <a:off x="5670626" y="1317192"/>
+            <a:ext cx="536201" cy="271141"/>
+          </a:xfrm>
+          <a:prstGeom prst="rightArrow">
+            <a:avLst/>
+          </a:prstGeom>
+          <a:noFill/>
+          <a:ln w="28575">
+            <a:solidFill>
+              <a:schemeClr val="accent4">
+                <a:lumMod val="75000"/>
+              </a:schemeClr>
+            </a:solidFill>
+            <a:prstDash val="sysDash"/>
+          </a:ln>
+        </p:spPr>
+        <p:style>
+          <a:lnRef idx="2">
+            <a:schemeClr val="accent1">
+              <a:shade val="50000"/>
+            </a:schemeClr>
+          </a:lnRef>
+          <a:fillRef idx="1">
+            <a:schemeClr val="accent1"/>
+          </a:fillRef>
+          <a:effectRef idx="0">
+            <a:schemeClr val="accent1"/>
+          </a:effectRef>
+          <a:fontRef idx="minor">
+            <a:schemeClr val="lt1"/>
+          </a:fontRef>
+        </p:style>
+        <p:txBody>
+          <a:bodyPr rtlCol="0" anchor="ctr"/>
+          <a:lstStyle/>
+          <a:p>
+            <a:pPr algn="ctr"/>
+            <a:endParaRPr lang="fr-CA" sz="2000">
+              <a:solidFill>
+                <a:schemeClr val="accent4">
+                  <a:lumMod val="75000"/>
+                </a:schemeClr>
+              </a:solidFill>
+              <a:latin typeface="微软雅黑" panose="020B0503020204020204" pitchFamily="34" charset="-122"/>
+              <a:ea typeface="微软雅黑" panose="020B0503020204020204" pitchFamily="34" charset="-122"/>
+              <a:cs typeface="Arial" panose="020B0604020202020204" pitchFamily="34" charset="0"/>
+            </a:endParaRPr>
+          </a:p>
+        </p:txBody>
+      </p:sp>
+      <p:pic>
+        <p:nvPicPr>
+          <p:cNvPr id="16" name="图片 15">
+            <a:extLst>
+              <a:ext uri="{FF2B5EF4-FFF2-40B4-BE49-F238E27FC236}">
+                <a16:creationId xmlns:a16="http://schemas.microsoft.com/office/drawing/2014/main" id="{ABC4A06F-7A4C-4BCE-B760-E96DA7D9D75E}"/>
+              </a:ext>
+            </a:extLst>
+          </p:cNvPr>
+          <p:cNvPicPr>
+            <a:picLocks noChangeAspect="1"/>
+          </p:cNvPicPr>
+          <p:nvPr/>
+        </p:nvPicPr>
+        <p:blipFill>
+          <a:blip r:embed="rId4"/>
+          <a:stretch>
+            <a:fillRect/>
+          </a:stretch>
+        </p:blipFill>
+        <p:spPr>
+          <a:xfrm>
+            <a:off x="6610630" y="1359733"/>
+            <a:ext cx="2019300" cy="228600"/>
+          </a:xfrm>
+          <a:prstGeom prst="rect">
+            <a:avLst/>
+          </a:prstGeom>
+        </p:spPr>
+      </p:pic>
+    </p:spTree>
+    <p:extLst>
+      <p:ext uri="{BB962C8B-B14F-4D97-AF65-F5344CB8AC3E}">
+        <p14:creationId xmlns:p14="http://schemas.microsoft.com/office/powerpoint/2010/main" val="2641066325"/>
+      </p:ext>
+    </p:extLst>
+  </p:cSld>
+  <p:clrMapOvr>
+    <a:masterClrMapping/>
+  </p:clrMapOvr>
+  <p:transition>
+    <p:fade/>
+  </p:transition>
+</p:sld>
+</file>
+
+<file path=ppt/slides/slide12.xml><?xml version="1.0" encoding="utf-8"?>
+<p:sld xmlns:a="http://schemas.openxmlformats.org/drawingml/2006/main" xmlns:r="http://schemas.openxmlformats.org/officeDocument/2006/relationships" xmlns:p="http://schemas.openxmlformats.org/presentationml/2006/main">
+  <p:cSld>
+    <p:spTree>
+      <p:nvGrpSpPr>
+        <p:cNvPr id="1" name=""/>
+        <p:cNvGrpSpPr/>
+        <p:nvPr/>
+      </p:nvGrpSpPr>
+      <p:grpSpPr>
+        <a:xfrm>
+          <a:off x="0" y="0"/>
+          <a:ext cx="0" cy="0"/>
+          <a:chOff x="0" y="0"/>
+          <a:chExt cx="0" cy="0"/>
+        </a:xfrm>
+      </p:grpSpPr>
+      <p:sp>
+        <p:nvSpPr>
+          <p:cNvPr id="2" name="Freeform 5">
+            <a:extLst>
+              <a:ext uri="{FF2B5EF4-FFF2-40B4-BE49-F238E27FC236}">
+                <a16:creationId xmlns:a16="http://schemas.microsoft.com/office/drawing/2014/main" id="{22EDC1DD-73FB-4204-B76B-323FDB5F93A1}"/>
+              </a:ext>
+            </a:extLst>
+          </p:cNvPr>
+          <p:cNvSpPr>
+            <a:spLocks noEditPoints="1"/>
+          </p:cNvSpPr>
+          <p:nvPr/>
+        </p:nvSpPr>
+        <p:spPr bwMode="auto">
+          <a:xfrm>
+            <a:off x="11088652" y="255806"/>
+            <a:ext cx="684247" cy="637812"/>
+          </a:xfrm>
+          <a:custGeom>
+            <a:avLst/>
+            <a:gdLst>
+              <a:gd name="T0" fmla="*/ 400 w 528"/>
+              <a:gd name="T1" fmla="*/ 293 h 471"/>
+              <a:gd name="T2" fmla="*/ 430 w 528"/>
+              <a:gd name="T3" fmla="*/ 279 h 471"/>
+              <a:gd name="T4" fmla="*/ 430 w 528"/>
+              <a:gd name="T5" fmla="*/ 278 h 471"/>
+              <a:gd name="T6" fmla="*/ 430 w 528"/>
+              <a:gd name="T7" fmla="*/ 204 h 471"/>
+              <a:gd name="T8" fmla="*/ 401 w 528"/>
+              <a:gd name="T9" fmla="*/ 218 h 471"/>
+              <a:gd name="T10" fmla="*/ 400 w 528"/>
+              <a:gd name="T11" fmla="*/ 293 h 471"/>
+              <a:gd name="T12" fmla="*/ 90 w 528"/>
+              <a:gd name="T13" fmla="*/ 204 h 471"/>
+              <a:gd name="T14" fmla="*/ 90 w 528"/>
+              <a:gd name="T15" fmla="*/ 279 h 471"/>
+              <a:gd name="T16" fmla="*/ 248 w 528"/>
+              <a:gd name="T17" fmla="*/ 354 h 471"/>
+              <a:gd name="T18" fmla="*/ 274 w 528"/>
+              <a:gd name="T19" fmla="*/ 354 h 471"/>
+              <a:gd name="T20" fmla="*/ 371 w 528"/>
+              <a:gd name="T21" fmla="*/ 307 h 471"/>
+              <a:gd name="T22" fmla="*/ 371 w 528"/>
+              <a:gd name="T23" fmla="*/ 232 h 471"/>
+              <a:gd name="T24" fmla="*/ 260 w 528"/>
+              <a:gd name="T25" fmla="*/ 286 h 471"/>
+              <a:gd name="T26" fmla="*/ 90 w 528"/>
+              <a:gd name="T27" fmla="*/ 204 h 471"/>
+              <a:gd name="T28" fmla="*/ 394 w 528"/>
+              <a:gd name="T29" fmla="*/ 197 h 471"/>
+              <a:gd name="T30" fmla="*/ 391 w 528"/>
+              <a:gd name="T31" fmla="*/ 196 h 471"/>
+              <a:gd name="T32" fmla="*/ 287 w 528"/>
+              <a:gd name="T33" fmla="*/ 139 h 471"/>
+              <a:gd name="T34" fmla="*/ 288 w 528"/>
+              <a:gd name="T35" fmla="*/ 132 h 471"/>
+              <a:gd name="T36" fmla="*/ 264 w 528"/>
+              <a:gd name="T37" fmla="*/ 108 h 471"/>
+              <a:gd name="T38" fmla="*/ 240 w 528"/>
+              <a:gd name="T39" fmla="*/ 132 h 471"/>
+              <a:gd name="T40" fmla="*/ 264 w 528"/>
+              <a:gd name="T41" fmla="*/ 156 h 471"/>
+              <a:gd name="T42" fmla="*/ 281 w 528"/>
+              <a:gd name="T43" fmla="*/ 150 h 471"/>
+              <a:gd name="T44" fmla="*/ 383 w 528"/>
+              <a:gd name="T45" fmla="*/ 207 h 471"/>
+              <a:gd name="T46" fmla="*/ 394 w 528"/>
+              <a:gd name="T47" fmla="*/ 197 h 471"/>
+              <a:gd name="T48" fmla="*/ 528 w 528"/>
+              <a:gd name="T49" fmla="*/ 132 h 471"/>
+              <a:gd name="T50" fmla="*/ 260 w 528"/>
+              <a:gd name="T51" fmla="*/ 0 h 471"/>
+              <a:gd name="T52" fmla="*/ 0 w 528"/>
+              <a:gd name="T53" fmla="*/ 126 h 471"/>
+              <a:gd name="T54" fmla="*/ 0 w 528"/>
+              <a:gd name="T55" fmla="*/ 137 h 471"/>
+              <a:gd name="T56" fmla="*/ 260 w 528"/>
+              <a:gd name="T57" fmla="*/ 263 h 471"/>
+              <a:gd name="T58" fmla="*/ 371 w 528"/>
+              <a:gd name="T59" fmla="*/ 209 h 471"/>
+              <a:gd name="T60" fmla="*/ 371 w 528"/>
+              <a:gd name="T61" fmla="*/ 205 h 471"/>
+              <a:gd name="T62" fmla="*/ 281 w 528"/>
+              <a:gd name="T63" fmla="*/ 158 h 471"/>
+              <a:gd name="T64" fmla="*/ 264 w 528"/>
+              <a:gd name="T65" fmla="*/ 163 h 471"/>
+              <a:gd name="T66" fmla="*/ 233 w 528"/>
+              <a:gd name="T67" fmla="*/ 132 h 471"/>
+              <a:gd name="T68" fmla="*/ 264 w 528"/>
+              <a:gd name="T69" fmla="*/ 100 h 471"/>
+              <a:gd name="T70" fmla="*/ 295 w 528"/>
+              <a:gd name="T71" fmla="*/ 132 h 471"/>
+              <a:gd name="T72" fmla="*/ 295 w 528"/>
+              <a:gd name="T73" fmla="*/ 135 h 471"/>
+              <a:gd name="T74" fmla="*/ 401 w 528"/>
+              <a:gd name="T75" fmla="*/ 194 h 471"/>
+              <a:gd name="T76" fmla="*/ 528 w 528"/>
+              <a:gd name="T77" fmla="*/ 132 h 471"/>
+              <a:gd name="T78" fmla="*/ 394 w 528"/>
+              <a:gd name="T79" fmla="*/ 197 h 471"/>
+              <a:gd name="T80" fmla="*/ 395 w 528"/>
+              <a:gd name="T81" fmla="*/ 293 h 471"/>
+              <a:gd name="T82" fmla="*/ 404 w 528"/>
+              <a:gd name="T83" fmla="*/ 307 h 471"/>
+              <a:gd name="T84" fmla="*/ 396 w 528"/>
+              <a:gd name="T85" fmla="*/ 320 h 471"/>
+              <a:gd name="T86" fmla="*/ 403 w 528"/>
+              <a:gd name="T87" fmla="*/ 320 h 471"/>
+              <a:gd name="T88" fmla="*/ 416 w 528"/>
+              <a:gd name="T89" fmla="*/ 471 h 471"/>
+              <a:gd name="T90" fmla="*/ 364 w 528"/>
+              <a:gd name="T91" fmla="*/ 471 h 471"/>
+              <a:gd name="T92" fmla="*/ 377 w 528"/>
+              <a:gd name="T93" fmla="*/ 320 h 471"/>
+              <a:gd name="T94" fmla="*/ 384 w 528"/>
+              <a:gd name="T95" fmla="*/ 320 h 471"/>
+              <a:gd name="T96" fmla="*/ 376 w 528"/>
+              <a:gd name="T97" fmla="*/ 307 h 471"/>
+              <a:gd name="T98" fmla="*/ 384 w 528"/>
+              <a:gd name="T99" fmla="*/ 293 h 471"/>
+              <a:gd name="T100" fmla="*/ 383 w 528"/>
+              <a:gd name="T101" fmla="*/ 207 h 471"/>
+              <a:gd name="T102" fmla="*/ 394 w 528"/>
+              <a:gd name="T103" fmla="*/ 197 h 471"/>
+            </a:gdLst>
+            <a:ahLst/>
+            <a:cxnLst>
+              <a:cxn ang="0">
+                <a:pos x="T0" y="T1"/>
+              </a:cxn>
+              <a:cxn ang="0">
+                <a:pos x="T2" y="T3"/>
+              </a:cxn>
+              <a:cxn ang="0">
+                <a:pos x="T4" y="T5"/>
+              </a:cxn>
+              <a:cxn ang="0">
+                <a:pos x="T6" y="T7"/>
+              </a:cxn>
+              <a:cxn ang="0">
+                <a:pos x="T8" y="T9"/>
+              </a:cxn>
+              <a:cxn ang="0">
+                <a:pos x="T10" y="T11"/>
+              </a:cxn>
+              <a:cxn ang="0">
+                <a:pos x="T12" y="T13"/>
+              </a:cxn>
+              <a:cxn ang="0">
+                <a:pos x="T14" y="T15"/>
+              </a:cxn>
+              <a:cxn ang="0">
+                <a:pos x="T16" y="T17"/>
+              </a:cxn>
+              <a:cxn ang="0">
+                <a:pos x="T18" y="T19"/>
+              </a:cxn>
+              <a:cxn ang="0">
+                <a:pos x="T20" y="T21"/>
+              </a:cxn>
+              <a:cxn ang="0">
+                <a:pos x="T22" y="T23"/>
+              </a:cxn>
+              <a:cxn ang="0">
+                <a:pos x="T24" y="T25"/>
+              </a:cxn>
+              <a:cxn ang="0">
+                <a:pos x="T26" y="T27"/>
+              </a:cxn>
+              <a:cxn ang="0">
+                <a:pos x="T28" y="T29"/>
+              </a:cxn>
+              <a:cxn ang="0">
+                <a:pos x="T30" y="T31"/>
+              </a:cxn>
+              <a:cxn ang="0">
+                <a:pos x="T32" y="T33"/>
+              </a:cxn>
+              <a:cxn ang="0">
+                <a:pos x="T34" y="T35"/>
+              </a:cxn>
+              <a:cxn ang="0">
+                <a:pos x="T36" y="T37"/>
+              </a:cxn>
+              <a:cxn ang="0">
+                <a:pos x="T38" y="T39"/>
+              </a:cxn>
+              <a:cxn ang="0">
+                <a:pos x="T40" y="T41"/>
+              </a:cxn>
+              <a:cxn ang="0">
+                <a:pos x="T42" y="T43"/>
+              </a:cxn>
+              <a:cxn ang="0">
+                <a:pos x="T44" y="T45"/>
+              </a:cxn>
+              <a:cxn ang="0">
+                <a:pos x="T46" y="T47"/>
+              </a:cxn>
+              <a:cxn ang="0">
+                <a:pos x="T48" y="T49"/>
+              </a:cxn>
+              <a:cxn ang="0">
+                <a:pos x="T50" y="T51"/>
+              </a:cxn>
+              <a:cxn ang="0">
+                <a:pos x="T52" y="T53"/>
+              </a:cxn>
+              <a:cxn ang="0">
+                <a:pos x="T54" y="T55"/>
+              </a:cxn>
+              <a:cxn ang="0">
+                <a:pos x="T56" y="T57"/>
+              </a:cxn>
+              <a:cxn ang="0">
+                <a:pos x="T58" y="T59"/>
+              </a:cxn>
+              <a:cxn ang="0">
+                <a:pos x="T60" y="T61"/>
+              </a:cxn>
+              <a:cxn ang="0">
+                <a:pos x="T62" y="T63"/>
+              </a:cxn>
+              <a:cxn ang="0">
+                <a:pos x="T64" y="T65"/>
+              </a:cxn>
+              <a:cxn ang="0">
+                <a:pos x="T66" y="T67"/>
+              </a:cxn>
+              <a:cxn ang="0">
+                <a:pos x="T68" y="T69"/>
+              </a:cxn>
+              <a:cxn ang="0">
+                <a:pos x="T70" y="T71"/>
+              </a:cxn>
+              <a:cxn ang="0">
+                <a:pos x="T72" y="T73"/>
+              </a:cxn>
+              <a:cxn ang="0">
+                <a:pos x="T74" y="T75"/>
+              </a:cxn>
+              <a:cxn ang="0">
+                <a:pos x="T76" y="T77"/>
+              </a:cxn>
+              <a:cxn ang="0">
+                <a:pos x="T78" y="T79"/>
+              </a:cxn>
+              <a:cxn ang="0">
+                <a:pos x="T80" y="T81"/>
+              </a:cxn>
+              <a:cxn ang="0">
+                <a:pos x="T82" y="T83"/>
+              </a:cxn>
+              <a:cxn ang="0">
+                <a:pos x="T84" y="T85"/>
+              </a:cxn>
+              <a:cxn ang="0">
+                <a:pos x="T86" y="T87"/>
+              </a:cxn>
+              <a:cxn ang="0">
+                <a:pos x="T88" y="T89"/>
+              </a:cxn>
+              <a:cxn ang="0">
+                <a:pos x="T90" y="T91"/>
+              </a:cxn>
+              <a:cxn ang="0">
+                <a:pos x="T92" y="T93"/>
+              </a:cxn>
+              <a:cxn ang="0">
+                <a:pos x="T94" y="T95"/>
+              </a:cxn>
+              <a:cxn ang="0">
+                <a:pos x="T96" y="T97"/>
+              </a:cxn>
+              <a:cxn ang="0">
+                <a:pos x="T98" y="T99"/>
+              </a:cxn>
+              <a:cxn ang="0">
+                <a:pos x="T100" y="T101"/>
+              </a:cxn>
+              <a:cxn ang="0">
+                <a:pos x="T102" y="T103"/>
+              </a:cxn>
+            </a:cxnLst>
+            <a:rect l="0" t="0" r="r" b="b"/>
+            <a:pathLst>
+              <a:path w="528" h="471">
+                <a:moveTo>
+                  <a:pt x="400" y="293"/>
+                </a:moveTo>
+                <a:cubicBezTo>
+                  <a:pt x="430" y="279"/>
+                  <a:pt x="430" y="279"/>
+                  <a:pt x="430" y="279"/>
+                </a:cubicBezTo>
+                <a:cubicBezTo>
+                  <a:pt x="430" y="279"/>
+                  <a:pt x="430" y="278"/>
+                  <a:pt x="430" y="278"/>
+                </a:cubicBezTo>
+                <a:cubicBezTo>
+                  <a:pt x="430" y="204"/>
+                  <a:pt x="430" y="204"/>
+                  <a:pt x="430" y="204"/>
+                </a:cubicBezTo>
+                <a:cubicBezTo>
+                  <a:pt x="401" y="218"/>
+                  <a:pt x="401" y="218"/>
+                  <a:pt x="401" y="218"/>
+                </a:cubicBezTo>
+                <a:cubicBezTo>
+                  <a:pt x="400" y="293"/>
+                  <a:pt x="400" y="293"/>
+                  <a:pt x="400" y="293"/>
+                </a:cubicBezTo>
+                <a:close/>
+                <a:moveTo>
+                  <a:pt x="90" y="204"/>
+                </a:moveTo>
+                <a:cubicBezTo>
+                  <a:pt x="90" y="279"/>
+                  <a:pt x="90" y="279"/>
+                  <a:pt x="90" y="279"/>
+                </a:cubicBezTo>
+                <a:cubicBezTo>
+                  <a:pt x="143" y="304"/>
+                  <a:pt x="195" y="329"/>
+                  <a:pt x="248" y="354"/>
+                </a:cubicBezTo>
+                <a:cubicBezTo>
+                  <a:pt x="257" y="357"/>
+                  <a:pt x="265" y="357"/>
+                  <a:pt x="274" y="354"/>
+                </a:cubicBezTo>
+                <a:cubicBezTo>
+                  <a:pt x="371" y="307"/>
+                  <a:pt x="371" y="307"/>
+                  <a:pt x="371" y="307"/>
+                </a:cubicBezTo>
+                <a:cubicBezTo>
+                  <a:pt x="371" y="232"/>
+                  <a:pt x="371" y="232"/>
+                  <a:pt x="371" y="232"/>
+                </a:cubicBezTo>
+                <a:cubicBezTo>
+                  <a:pt x="260" y="286"/>
+                  <a:pt x="260" y="286"/>
+                  <a:pt x="260" y="286"/>
+                </a:cubicBezTo>
+                <a:cubicBezTo>
+                  <a:pt x="90" y="204"/>
+                  <a:pt x="90" y="204"/>
+                  <a:pt x="90" y="204"/>
+                </a:cubicBezTo>
+                <a:close/>
+                <a:moveTo>
+                  <a:pt x="394" y="197"/>
+                </a:moveTo>
+                <a:cubicBezTo>
+                  <a:pt x="391" y="196"/>
+                  <a:pt x="391" y="196"/>
+                  <a:pt x="391" y="196"/>
+                </a:cubicBezTo>
+                <a:cubicBezTo>
+                  <a:pt x="287" y="139"/>
+                  <a:pt x="287" y="139"/>
+                  <a:pt x="287" y="139"/>
+                </a:cubicBezTo>
+                <a:cubicBezTo>
+                  <a:pt x="288" y="136"/>
+                  <a:pt x="288" y="134"/>
+                  <a:pt x="288" y="132"/>
+                </a:cubicBezTo>
+                <a:cubicBezTo>
+                  <a:pt x="288" y="118"/>
+                  <a:pt x="277" y="108"/>
+                  <a:pt x="264" y="108"/>
+                </a:cubicBezTo>
+                <a:cubicBezTo>
+                  <a:pt x="251" y="108"/>
+                  <a:pt x="240" y="118"/>
+                  <a:pt x="240" y="132"/>
+                </a:cubicBezTo>
+                <a:cubicBezTo>
+                  <a:pt x="240" y="145"/>
+                  <a:pt x="251" y="156"/>
+                  <a:pt x="264" y="156"/>
+                </a:cubicBezTo>
+                <a:cubicBezTo>
+                  <a:pt x="270" y="156"/>
+                  <a:pt x="276" y="154"/>
+                  <a:pt x="281" y="150"/>
+                </a:cubicBezTo>
+                <a:cubicBezTo>
+                  <a:pt x="383" y="207"/>
+                  <a:pt x="383" y="207"/>
+                  <a:pt x="383" y="207"/>
+                </a:cubicBezTo>
+                <a:cubicBezTo>
+                  <a:pt x="394" y="197"/>
+                  <a:pt x="394" y="197"/>
+                  <a:pt x="394" y="197"/>
+                </a:cubicBezTo>
+                <a:close/>
+                <a:moveTo>
+                  <a:pt x="528" y="132"/>
+                </a:moveTo>
+                <a:cubicBezTo>
+                  <a:pt x="260" y="0"/>
+                  <a:pt x="260" y="0"/>
+                  <a:pt x="260" y="0"/>
+                </a:cubicBezTo>
+                <a:cubicBezTo>
+                  <a:pt x="0" y="126"/>
+                  <a:pt x="0" y="126"/>
+                  <a:pt x="0" y="126"/>
+                </a:cubicBezTo>
+                <a:cubicBezTo>
+                  <a:pt x="0" y="137"/>
+                  <a:pt x="0" y="137"/>
+                  <a:pt x="0" y="137"/>
+                </a:cubicBezTo>
+                <a:cubicBezTo>
+                  <a:pt x="260" y="263"/>
+                  <a:pt x="260" y="263"/>
+                  <a:pt x="260" y="263"/>
+                </a:cubicBezTo>
+                <a:cubicBezTo>
+                  <a:pt x="371" y="209"/>
+                  <a:pt x="371" y="209"/>
+                  <a:pt x="371" y="209"/>
+                </a:cubicBezTo>
+                <a:cubicBezTo>
+                  <a:pt x="371" y="205"/>
+                  <a:pt x="371" y="205"/>
+                  <a:pt x="371" y="205"/>
+                </a:cubicBezTo>
+                <a:cubicBezTo>
+                  <a:pt x="281" y="158"/>
+                  <a:pt x="281" y="158"/>
+                  <a:pt x="281" y="158"/>
+                </a:cubicBezTo>
+                <a:cubicBezTo>
+                  <a:pt x="276" y="162"/>
+                  <a:pt x="270" y="163"/>
+                  <a:pt x="264" y="163"/>
+                </a:cubicBezTo>
+                <a:cubicBezTo>
+                  <a:pt x="247" y="163"/>
+                  <a:pt x="233" y="149"/>
+                  <a:pt x="233" y="132"/>
+                </a:cubicBezTo>
+                <a:cubicBezTo>
+                  <a:pt x="233" y="114"/>
+                  <a:pt x="247" y="100"/>
+                  <a:pt x="264" y="100"/>
+                </a:cubicBezTo>
+                <a:cubicBezTo>
+                  <a:pt x="281" y="100"/>
+                  <a:pt x="295" y="114"/>
+                  <a:pt x="295" y="132"/>
+                </a:cubicBezTo>
+                <a:cubicBezTo>
+                  <a:pt x="295" y="133"/>
+                  <a:pt x="295" y="134"/>
+                  <a:pt x="295" y="135"/>
+                </a:cubicBezTo>
+                <a:cubicBezTo>
+                  <a:pt x="401" y="194"/>
+                  <a:pt x="401" y="194"/>
+                  <a:pt x="401" y="194"/>
+                </a:cubicBezTo>
+                <a:cubicBezTo>
+                  <a:pt x="528" y="132"/>
+                  <a:pt x="528" y="132"/>
+                  <a:pt x="528" y="132"/>
+                </a:cubicBezTo>
+                <a:close/>
+                <a:moveTo>
+                  <a:pt x="394" y="197"/>
+                </a:moveTo>
+                <a:cubicBezTo>
+                  <a:pt x="395" y="293"/>
+                  <a:pt x="395" y="293"/>
+                  <a:pt x="395" y="293"/>
+                </a:cubicBezTo>
+                <a:cubicBezTo>
+                  <a:pt x="401" y="295"/>
+                  <a:pt x="404" y="300"/>
+                  <a:pt x="404" y="307"/>
+                </a:cubicBezTo>
+                <a:cubicBezTo>
+                  <a:pt x="404" y="312"/>
+                  <a:pt x="401" y="317"/>
+                  <a:pt x="396" y="320"/>
+                </a:cubicBezTo>
+                <a:cubicBezTo>
+                  <a:pt x="403" y="320"/>
+                  <a:pt x="403" y="320"/>
+                  <a:pt x="403" y="320"/>
+                </a:cubicBezTo>
+                <a:cubicBezTo>
+                  <a:pt x="416" y="471"/>
+                  <a:pt x="416" y="471"/>
+                  <a:pt x="416" y="471"/>
+                </a:cubicBezTo>
+                <a:cubicBezTo>
+                  <a:pt x="364" y="471"/>
+                  <a:pt x="364" y="471"/>
+                  <a:pt x="364" y="471"/>
+                </a:cubicBezTo>
+                <a:cubicBezTo>
+                  <a:pt x="377" y="320"/>
+                  <a:pt x="377" y="320"/>
+                  <a:pt x="377" y="320"/>
+                </a:cubicBezTo>
+                <a:cubicBezTo>
+                  <a:pt x="384" y="320"/>
+                  <a:pt x="384" y="320"/>
+                  <a:pt x="384" y="320"/>
+                </a:cubicBezTo>
+                <a:cubicBezTo>
+                  <a:pt x="379" y="317"/>
+                  <a:pt x="376" y="312"/>
+                  <a:pt x="376" y="307"/>
+                </a:cubicBezTo>
+                <a:cubicBezTo>
+                  <a:pt x="376" y="301"/>
+                  <a:pt x="379" y="296"/>
+                  <a:pt x="384" y="293"/>
+                </a:cubicBezTo>
+                <a:cubicBezTo>
+                  <a:pt x="383" y="207"/>
+                  <a:pt x="383" y="207"/>
+                  <a:pt x="383" y="207"/>
+                </a:cubicBezTo>
+                <a:cubicBezTo>
+                  <a:pt x="394" y="197"/>
+                  <a:pt x="394" y="197"/>
+                  <a:pt x="394" y="197"/>
+                </a:cubicBezTo>
+                <a:close/>
+              </a:path>
+            </a:pathLst>
+          </a:custGeom>
+          <a:solidFill>
+            <a:srgbClr val="0F3C89"/>
+          </a:solidFill>
+          <a:ln>
+            <a:noFill/>
+          </a:ln>
+        </p:spPr>
+        <p:txBody>
+          <a:bodyPr vert="horz" wrap="square" lIns="91440" tIns="45720" rIns="91440" bIns="45720" numCol="1" anchor="t" anchorCtr="0" compatLnSpc="1"/>
+          <a:lstStyle/>
+          <a:p>
+            <a:endParaRPr lang="zh-CN" altLang="en-US">
+              <a:solidFill>
+                <a:srgbClr val="000000"/>
+              </a:solidFill>
+              <a:latin typeface="Microsoft YaHei" panose="020B0503020204020204" pitchFamily="34" charset="-122"/>
+              <a:ea typeface="Microsoft YaHei" panose="020B0503020204020204" pitchFamily="34" charset="-122"/>
+              <a:sym typeface="Microsoft YaHei" panose="020B0503020204020204" pitchFamily="34" charset="-122"/>
+            </a:endParaRPr>
+          </a:p>
+        </p:txBody>
+      </p:sp>
+      <p:sp>
+        <p:nvSpPr>
+          <p:cNvPr id="3" name="矩形 2">
+            <a:extLst>
+              <a:ext uri="{FF2B5EF4-FFF2-40B4-BE49-F238E27FC236}">
+                <a16:creationId xmlns:a16="http://schemas.microsoft.com/office/drawing/2014/main" id="{E4E0767F-3F9F-46DE-9342-E551591E6684}"/>
+              </a:ext>
+            </a:extLst>
+          </p:cNvPr>
+          <p:cNvSpPr/>
+          <p:nvPr/>
+        </p:nvSpPr>
+        <p:spPr>
+          <a:xfrm>
+            <a:off x="8988153" y="251839"/>
+            <a:ext cx="2159374" cy="523220"/>
+          </a:xfrm>
+          <a:prstGeom prst="rect">
+            <a:avLst/>
+          </a:prstGeom>
+        </p:spPr>
+        <p:txBody>
+          <a:bodyPr wrap="none">
+            <a:spAutoFit/>
+          </a:bodyPr>
+          <a:lstStyle/>
+          <a:p>
+            <a:r>
+              <a:rPr lang="fr-CA" altLang="zh-CN" sz="2800" b="1" dirty="0">
+                <a:solidFill>
+                  <a:schemeClr val="tx1">
+                    <a:lumMod val="75000"/>
+                    <a:lumOff val="25000"/>
+                  </a:schemeClr>
+                </a:solidFill>
+                <a:latin typeface="Microsoft YaHei" panose="020B0503020204020204" pitchFamily="34" charset="-122"/>
+                <a:ea typeface="Microsoft YaHei" panose="020B0503020204020204" pitchFamily="34" charset="-122"/>
+                <a:sym typeface="Microsoft YaHei" panose="020B0503020204020204" pitchFamily="34" charset="-122"/>
+              </a:rPr>
+              <a:t>Réalisation</a:t>
+            </a:r>
+            <a:endParaRPr lang="zh-CN" altLang="en-US" sz="2800" b="1" dirty="0">
+              <a:solidFill>
+                <a:schemeClr val="tx1">
+                  <a:lumMod val="75000"/>
+                  <a:lumOff val="25000"/>
+                </a:schemeClr>
+              </a:solidFill>
+              <a:latin typeface="Microsoft YaHei" panose="020B0503020204020204" pitchFamily="34" charset="-122"/>
+              <a:ea typeface="Microsoft YaHei" panose="020B0503020204020204" pitchFamily="34" charset="-122"/>
+              <a:sym typeface="Microsoft YaHei" panose="020B0503020204020204" pitchFamily="34" charset="-122"/>
+            </a:endParaRPr>
+          </a:p>
+        </p:txBody>
+      </p:sp>
+      <p:grpSp>
+        <p:nvGrpSpPr>
+          <p:cNvPr id="4" name="组合 3">
+            <a:extLst>
+              <a:ext uri="{FF2B5EF4-FFF2-40B4-BE49-F238E27FC236}">
+                <a16:creationId xmlns:a16="http://schemas.microsoft.com/office/drawing/2014/main" id="{F7635991-F5C2-4322-BDE0-34C7012EBA5C}"/>
+              </a:ext>
+            </a:extLst>
+          </p:cNvPr>
+          <p:cNvGrpSpPr/>
+          <p:nvPr/>
+        </p:nvGrpSpPr>
+        <p:grpSpPr>
+          <a:xfrm>
+            <a:off x="0" y="0"/>
+            <a:ext cx="2124908" cy="6858000"/>
+            <a:chOff x="1" y="0"/>
+            <a:chExt cx="1596464" cy="6858000"/>
+          </a:xfrm>
+          <a:solidFill>
+            <a:srgbClr val="0F3C89"/>
+          </a:solidFill>
+        </p:grpSpPr>
+        <p:sp>
+          <p:nvSpPr>
+            <p:cNvPr id="5" name="文本框 4">
+              <a:extLst>
+                <a:ext uri="{FF2B5EF4-FFF2-40B4-BE49-F238E27FC236}">
+                  <a16:creationId xmlns:a16="http://schemas.microsoft.com/office/drawing/2014/main" id="{EF1391B4-4CDA-43F0-A44E-1EDC8387A3D3}"/>
+                </a:ext>
+              </a:extLst>
+            </p:cNvPr>
+            <p:cNvSpPr txBox="1"/>
+            <p:nvPr/>
+          </p:nvSpPr>
+          <p:spPr>
+            <a:xfrm>
+              <a:off x="1" y="0"/>
+              <a:ext cx="1460935" cy="6858000"/>
+            </a:xfrm>
+            <a:prstGeom prst="rect">
+              <a:avLst/>
+            </a:prstGeom>
+            <a:grpFill/>
+          </p:spPr>
+          <p:txBody>
+            <a:bodyPr wrap="square" rtlCol="0">
+              <a:spAutoFit/>
+            </a:bodyPr>
+            <a:lstStyle/>
+            <a:p>
+              <a:endParaRPr lang="zh-CN" altLang="en-US" dirty="0"/>
+            </a:p>
+          </p:txBody>
+        </p:sp>
+        <p:sp>
+          <p:nvSpPr>
+            <p:cNvPr id="6" name="等腰三角形 5">
+              <a:extLst>
+                <a:ext uri="{FF2B5EF4-FFF2-40B4-BE49-F238E27FC236}">
+                  <a16:creationId xmlns:a16="http://schemas.microsoft.com/office/drawing/2014/main" id="{C2CC2C19-4F2C-434F-B66C-6616E1C2AF44}"/>
+                </a:ext>
+              </a:extLst>
+            </p:cNvPr>
+            <p:cNvSpPr/>
+            <p:nvPr/>
+          </p:nvSpPr>
+          <p:spPr>
+            <a:xfrm rot="5400000">
+              <a:off x="1371991" y="1996303"/>
+              <a:ext cx="303532" cy="145416"/>
+            </a:xfrm>
+            <a:prstGeom prst="triangle">
+              <a:avLst/>
+            </a:prstGeom>
+            <a:grpFill/>
+            <a:ln>
+              <a:noFill/>
+            </a:ln>
+          </p:spPr>
+          <p:style>
+            <a:lnRef idx="2">
+              <a:schemeClr val="accent1">
+                <a:shade val="50000"/>
+              </a:schemeClr>
+            </a:lnRef>
+            <a:fillRef idx="1">
+              <a:schemeClr val="accent1"/>
+            </a:fillRef>
+            <a:effectRef idx="0">
+              <a:schemeClr val="accent1"/>
+            </a:effectRef>
+            <a:fontRef idx="minor">
+              <a:schemeClr val="lt1"/>
+            </a:fontRef>
+          </p:style>
+          <p:txBody>
+            <a:bodyPr rtlCol="0" anchor="ctr"/>
+            <a:lstStyle/>
+            <a:p>
+              <a:pPr algn="ctr"/>
+              <a:endParaRPr lang="zh-CN" altLang="en-US"/>
+            </a:p>
+          </p:txBody>
+        </p:sp>
+      </p:grpSp>
+      <p:sp>
+        <p:nvSpPr>
+          <p:cNvPr id="7" name="文本框 6">
+            <a:extLst>
+              <a:ext uri="{FF2B5EF4-FFF2-40B4-BE49-F238E27FC236}">
+                <a16:creationId xmlns:a16="http://schemas.microsoft.com/office/drawing/2014/main" id="{F5F92B4A-ED03-4FAD-9618-8CEE5658093E}"/>
+              </a:ext>
+            </a:extLst>
+          </p:cNvPr>
+          <p:cNvSpPr txBox="1">
+            <a:spLocks/>
+          </p:cNvSpPr>
+          <p:nvPr/>
+        </p:nvSpPr>
+        <p:spPr>
+          <a:xfrm>
+            <a:off x="34732" y="1052653"/>
+            <a:ext cx="2156145" cy="400110"/>
+          </a:xfrm>
+          <a:prstGeom prst="rect">
+            <a:avLst/>
+          </a:prstGeom>
+          <a:noFill/>
+        </p:spPr>
+        <p:txBody>
+          <a:bodyPr wrap="square" rtlCol="0">
+            <a:spAutoFit/>
+          </a:bodyPr>
+          <a:lstStyle>
+            <a:defPPr>
+              <a:defRPr lang="zh-CN"/>
+            </a:defPPr>
+            <a:lvl1pPr>
+              <a:defRPr sz="2000">
+                <a:solidFill>
+                  <a:schemeClr val="bg1">
+                    <a:alpha val="50000"/>
+                  </a:schemeClr>
+                </a:solidFill>
+                <a:latin typeface="微软雅黑" panose="020B0503020204020204" pitchFamily="34" charset="-122"/>
+                <a:ea typeface="微软雅黑" panose="020B0503020204020204" pitchFamily="34" charset="-122"/>
+              </a:defRPr>
+            </a:lvl1pPr>
+          </a:lstStyle>
+          <a:p>
+            <a:r>
+              <a:rPr lang="fr-FR" altLang="zh-CN" dirty="0"/>
+              <a:t>Problématique</a:t>
+            </a:r>
+          </a:p>
+        </p:txBody>
+      </p:sp>
+      <p:sp>
+        <p:nvSpPr>
+          <p:cNvPr id="8" name="文本框 7">
+            <a:extLst>
+              <a:ext uri="{FF2B5EF4-FFF2-40B4-BE49-F238E27FC236}">
+                <a16:creationId xmlns:a16="http://schemas.microsoft.com/office/drawing/2014/main" id="{A251A06C-FD8F-471A-90E9-15DCC9B81462}"/>
+              </a:ext>
+            </a:extLst>
+          </p:cNvPr>
+          <p:cNvSpPr txBox="1">
+            <a:spLocks/>
+          </p:cNvSpPr>
+          <p:nvPr/>
+        </p:nvSpPr>
+        <p:spPr>
+          <a:xfrm>
+            <a:off x="34731" y="1839037"/>
+            <a:ext cx="1135247" cy="400110"/>
+          </a:xfrm>
+          <a:prstGeom prst="rect">
+            <a:avLst/>
+          </a:prstGeom>
+          <a:noFill/>
+        </p:spPr>
+        <p:txBody>
+          <a:bodyPr wrap="square" rtlCol="0">
+            <a:spAutoFit/>
+          </a:bodyPr>
+          <a:lstStyle>
+            <a:defPPr>
+              <a:defRPr lang="zh-CN"/>
+            </a:defPPr>
+            <a:lvl1pPr>
+              <a:defRPr sz="2000">
+                <a:solidFill>
+                  <a:schemeClr val="bg1">
+                    <a:alpha val="50000"/>
+                  </a:schemeClr>
+                </a:solidFill>
+                <a:latin typeface="微软雅黑" panose="020B0503020204020204" pitchFamily="34" charset="-122"/>
+                <a:ea typeface="微软雅黑" panose="020B0503020204020204" pitchFamily="34" charset="-122"/>
+              </a:defRPr>
+            </a:lvl1pPr>
+          </a:lstStyle>
+          <a:p>
+            <a:r>
+              <a:rPr lang="fr-CA" altLang="zh-CN" dirty="0"/>
+              <a:t>Analyse</a:t>
+            </a:r>
+            <a:endParaRPr lang="zh-CN" altLang="en-US" dirty="0"/>
+          </a:p>
+        </p:txBody>
+      </p:sp>
+      <p:sp>
+        <p:nvSpPr>
+          <p:cNvPr id="9" name="文本框 8">
+            <a:extLst>
+              <a:ext uri="{FF2B5EF4-FFF2-40B4-BE49-F238E27FC236}">
+                <a16:creationId xmlns:a16="http://schemas.microsoft.com/office/drawing/2014/main" id="{B7D94083-FB26-4128-83AA-9F8472B92C76}"/>
+              </a:ext>
+            </a:extLst>
+          </p:cNvPr>
+          <p:cNvSpPr txBox="1">
+            <a:spLocks/>
+          </p:cNvSpPr>
+          <p:nvPr/>
+        </p:nvSpPr>
+        <p:spPr>
+          <a:xfrm>
+            <a:off x="34731" y="2625421"/>
+            <a:ext cx="1536317" cy="400110"/>
+          </a:xfrm>
+          <a:prstGeom prst="rect">
+            <a:avLst/>
+          </a:prstGeom>
+          <a:noFill/>
+        </p:spPr>
+        <p:txBody>
+          <a:bodyPr wrap="square" rtlCol="0">
+            <a:spAutoFit/>
+          </a:bodyPr>
+          <a:lstStyle>
+            <a:defPPr>
+              <a:defRPr lang="zh-CN"/>
+            </a:defPPr>
+            <a:lvl1pPr>
+              <a:defRPr sz="2000">
+                <a:solidFill>
+                  <a:schemeClr val="bg1"/>
+                </a:solidFill>
+                <a:latin typeface="微软雅黑" panose="020B0503020204020204" pitchFamily="34" charset="-122"/>
+                <a:ea typeface="微软雅黑" panose="020B0503020204020204" pitchFamily="34" charset="-122"/>
+              </a:defRPr>
+            </a:lvl1pPr>
+          </a:lstStyle>
+          <a:p>
+            <a:r>
+              <a:rPr lang="fr-CA" altLang="zh-CN" dirty="0"/>
+              <a:t>Réalisation</a:t>
+            </a:r>
+            <a:endParaRPr lang="zh-CN" altLang="en-US" dirty="0"/>
+          </a:p>
+        </p:txBody>
+      </p:sp>
+      <p:sp>
+        <p:nvSpPr>
+          <p:cNvPr id="10" name="文本框 9">
+            <a:extLst>
+              <a:ext uri="{FF2B5EF4-FFF2-40B4-BE49-F238E27FC236}">
+                <a16:creationId xmlns:a16="http://schemas.microsoft.com/office/drawing/2014/main" id="{E8C01AA5-0BBA-4FAB-9E90-242632CB1E0E}"/>
+              </a:ext>
+            </a:extLst>
+          </p:cNvPr>
+          <p:cNvSpPr txBox="1">
+            <a:spLocks/>
+          </p:cNvSpPr>
+          <p:nvPr/>
+        </p:nvSpPr>
+        <p:spPr>
+          <a:xfrm>
+            <a:off x="34731" y="3411805"/>
+            <a:ext cx="1894003" cy="400110"/>
+          </a:xfrm>
+          <a:prstGeom prst="rect">
+            <a:avLst/>
+          </a:prstGeom>
+          <a:noFill/>
+        </p:spPr>
+        <p:txBody>
+          <a:bodyPr wrap="square" rtlCol="0">
+            <a:spAutoFit/>
+          </a:bodyPr>
+          <a:lstStyle/>
+          <a:p>
+            <a:r>
+              <a:rPr lang="fr-CA" altLang="zh-CN" sz="2000" dirty="0">
+                <a:solidFill>
+                  <a:schemeClr val="bg1">
+                    <a:alpha val="50000"/>
+                  </a:schemeClr>
+                </a:solidFill>
+                <a:latin typeface="微软雅黑" panose="020B0503020204020204" pitchFamily="34" charset="-122"/>
+                <a:ea typeface="微软雅黑" panose="020B0503020204020204" pitchFamily="34" charset="-122"/>
+              </a:rPr>
+              <a:t>Amélioration</a:t>
+            </a:r>
+            <a:endParaRPr lang="zh-CN" altLang="en-US" sz="2000" dirty="0">
+              <a:solidFill>
+                <a:schemeClr val="bg1">
+                  <a:alpha val="50000"/>
+                </a:schemeClr>
+              </a:solidFill>
+              <a:latin typeface="微软雅黑" panose="020B0503020204020204" pitchFamily="34" charset="-122"/>
+              <a:ea typeface="微软雅黑" panose="020B0503020204020204" pitchFamily="34" charset="-122"/>
+            </a:endParaRPr>
+          </a:p>
+        </p:txBody>
+      </p:sp>
+      <p:pic>
+        <p:nvPicPr>
+          <p:cNvPr id="12" name="图片 11">
+            <a:extLst>
+              <a:ext uri="{FF2B5EF4-FFF2-40B4-BE49-F238E27FC236}">
                 <a16:creationId xmlns:a16="http://schemas.microsoft.com/office/drawing/2014/main" id="{405CD4BE-4BF5-465A-AEA3-8EE41DDE48DA}"/>
               </a:ext>
             </a:extLst>
@@ -10286,7 +11610,7 @@
 </p:sld>
 </file>
 
-<file path=ppt/slides/slide12.xml><?xml version="1.0" encoding="utf-8"?>
+<file path=ppt/slides/slide13.xml><?xml version="1.0" encoding="utf-8"?>
 <p:sld xmlns:a="http://schemas.openxmlformats.org/drawingml/2006/main" xmlns:r="http://schemas.openxmlformats.org/officeDocument/2006/relationships" xmlns:p="http://schemas.openxmlformats.org/presentationml/2006/main">
   <p:cSld>
     <p:spTree>
@@ -11685,7 +13009,7 @@
 </p:sld>
 </file>
 
-<file path=ppt/slides/slide13.xml><?xml version="1.0" encoding="utf-8"?>
+<file path=ppt/slides/slide14.xml><?xml version="1.0" encoding="utf-8"?>
 <p:sld xmlns:a="http://schemas.openxmlformats.org/drawingml/2006/main" xmlns:r="http://schemas.openxmlformats.org/officeDocument/2006/relationships" xmlns:p="http://schemas.openxmlformats.org/presentationml/2006/main">
   <p:cSld>
     <p:spTree>
@@ -22218,6 +23542,1570 @@
           </a:p>
         </p:txBody>
       </p:sp>
+      <p:pic>
+        <p:nvPicPr>
+          <p:cNvPr id="12" name="图片 11">
+            <a:extLst>
+              <a:ext uri="{FF2B5EF4-FFF2-40B4-BE49-F238E27FC236}">
+                <a16:creationId xmlns:a16="http://schemas.microsoft.com/office/drawing/2014/main" id="{EF72D94C-96BA-4E0E-9042-1FA4F92D1F94}"/>
+              </a:ext>
+            </a:extLst>
+          </p:cNvPr>
+          <p:cNvPicPr>
+            <a:picLocks noChangeAspect="1"/>
+          </p:cNvPicPr>
+          <p:nvPr/>
+        </p:nvPicPr>
+        <p:blipFill>
+          <a:blip r:embed="rId3"/>
+          <a:stretch>
+            <a:fillRect/>
+          </a:stretch>
+        </p:blipFill>
+        <p:spPr>
+          <a:xfrm>
+            <a:off x="2690114" y="1609725"/>
+            <a:ext cx="3933825" cy="3638550"/>
+          </a:xfrm>
+          <a:prstGeom prst="rect">
+            <a:avLst/>
+          </a:prstGeom>
+        </p:spPr>
+      </p:pic>
+      <p:sp>
+        <p:nvSpPr>
+          <p:cNvPr id="13" name="矩形 12">
+            <a:extLst>
+              <a:ext uri="{FF2B5EF4-FFF2-40B4-BE49-F238E27FC236}">
+                <a16:creationId xmlns:a16="http://schemas.microsoft.com/office/drawing/2014/main" id="{1069210C-9F38-4CB2-BF7C-AA5199DD243B}"/>
+              </a:ext>
+            </a:extLst>
+          </p:cNvPr>
+          <p:cNvSpPr/>
+          <p:nvPr/>
+        </p:nvSpPr>
+        <p:spPr>
+          <a:xfrm>
+            <a:off x="3272118" y="2348753"/>
+            <a:ext cx="2985247" cy="950259"/>
+          </a:xfrm>
+          <a:prstGeom prst="rect">
+            <a:avLst/>
+          </a:prstGeom>
+          <a:noFill/>
+          <a:ln w="25400">
+            <a:solidFill>
+              <a:srgbClr val="FF0000"/>
+            </a:solidFill>
+          </a:ln>
+        </p:spPr>
+        <p:style>
+          <a:lnRef idx="2">
+            <a:schemeClr val="accent1">
+              <a:shade val="50000"/>
+            </a:schemeClr>
+          </a:lnRef>
+          <a:fillRef idx="1">
+            <a:schemeClr val="accent1"/>
+          </a:fillRef>
+          <a:effectRef idx="0">
+            <a:schemeClr val="accent1"/>
+          </a:effectRef>
+          <a:fontRef idx="minor">
+            <a:schemeClr val="lt1"/>
+          </a:fontRef>
+        </p:style>
+        <p:txBody>
+          <a:bodyPr rtlCol="0" anchor="ctr"/>
+          <a:lstStyle/>
+          <a:p>
+            <a:pPr algn="ctr"/>
+            <a:endParaRPr lang="zh-CN" altLang="en-US"/>
+          </a:p>
+        </p:txBody>
+      </p:sp>
+      <p:sp>
+        <p:nvSpPr>
+          <p:cNvPr id="32" name="矩形 31">
+            <a:extLst>
+              <a:ext uri="{FF2B5EF4-FFF2-40B4-BE49-F238E27FC236}">
+                <a16:creationId xmlns:a16="http://schemas.microsoft.com/office/drawing/2014/main" id="{7A60DCCA-3BED-4FC4-BC26-8923865572EE}"/>
+              </a:ext>
+            </a:extLst>
+          </p:cNvPr>
+          <p:cNvSpPr/>
+          <p:nvPr/>
+        </p:nvSpPr>
+        <p:spPr>
+          <a:xfrm>
+            <a:off x="3338793" y="4038040"/>
+            <a:ext cx="2985247" cy="1210235"/>
+          </a:xfrm>
+          <a:prstGeom prst="rect">
+            <a:avLst/>
+          </a:prstGeom>
+          <a:noFill/>
+          <a:ln w="25400">
+            <a:solidFill>
+              <a:srgbClr val="FF0000"/>
+            </a:solidFill>
+          </a:ln>
+        </p:spPr>
+        <p:style>
+          <a:lnRef idx="2">
+            <a:schemeClr val="accent1">
+              <a:shade val="50000"/>
+            </a:schemeClr>
+          </a:lnRef>
+          <a:fillRef idx="1">
+            <a:schemeClr val="accent1"/>
+          </a:fillRef>
+          <a:effectRef idx="0">
+            <a:schemeClr val="accent1"/>
+          </a:effectRef>
+          <a:fontRef idx="minor">
+            <a:schemeClr val="lt1"/>
+          </a:fontRef>
+        </p:style>
+        <p:txBody>
+          <a:bodyPr rtlCol="0" anchor="ctr"/>
+          <a:lstStyle/>
+          <a:p>
+            <a:pPr algn="ctr"/>
+            <a:endParaRPr lang="zh-CN" altLang="en-US"/>
+          </a:p>
+        </p:txBody>
+      </p:sp>
+      <p:sp>
+        <p:nvSpPr>
+          <p:cNvPr id="33" name="箭头: 右 32">
+            <a:extLst>
+              <a:ext uri="{FF2B5EF4-FFF2-40B4-BE49-F238E27FC236}">
+                <a16:creationId xmlns:a16="http://schemas.microsoft.com/office/drawing/2014/main" id="{F195153C-8DB0-4107-ACB1-2B50E086C0CC}"/>
+              </a:ext>
+            </a:extLst>
+          </p:cNvPr>
+          <p:cNvSpPr/>
+          <p:nvPr/>
+        </p:nvSpPr>
+        <p:spPr>
+          <a:xfrm>
+            <a:off x="6921044" y="2625421"/>
+            <a:ext cx="536201" cy="271141"/>
+          </a:xfrm>
+          <a:prstGeom prst="rightArrow">
+            <a:avLst/>
+          </a:prstGeom>
+          <a:noFill/>
+          <a:ln w="28575">
+            <a:solidFill>
+              <a:schemeClr val="tx1">
+                <a:lumMod val="75000"/>
+                <a:lumOff val="25000"/>
+              </a:schemeClr>
+            </a:solidFill>
+            <a:prstDash val="sysDash"/>
+          </a:ln>
+        </p:spPr>
+        <p:style>
+          <a:lnRef idx="2">
+            <a:schemeClr val="accent1">
+              <a:shade val="50000"/>
+            </a:schemeClr>
+          </a:lnRef>
+          <a:fillRef idx="1">
+            <a:schemeClr val="accent1"/>
+          </a:fillRef>
+          <a:effectRef idx="0">
+            <a:schemeClr val="accent1"/>
+          </a:effectRef>
+          <a:fontRef idx="minor">
+            <a:schemeClr val="lt1"/>
+          </a:fontRef>
+        </p:style>
+        <p:txBody>
+          <a:bodyPr rtlCol="0" anchor="ctr"/>
+          <a:lstStyle/>
+          <a:p>
+            <a:pPr algn="ctr"/>
+            <a:endParaRPr lang="fr-CA" sz="2000">
+              <a:solidFill>
+                <a:schemeClr val="accent4">
+                  <a:lumMod val="75000"/>
+                </a:schemeClr>
+              </a:solidFill>
+              <a:latin typeface="微软雅黑" panose="020B0503020204020204" pitchFamily="34" charset="-122"/>
+              <a:ea typeface="微软雅黑" panose="020B0503020204020204" pitchFamily="34" charset="-122"/>
+              <a:cs typeface="Arial" panose="020B0604020202020204" pitchFamily="34" charset="0"/>
+            </a:endParaRPr>
+          </a:p>
+        </p:txBody>
+      </p:sp>
+      <p:sp>
+        <p:nvSpPr>
+          <p:cNvPr id="34" name="文本框 33">
+            <a:extLst>
+              <a:ext uri="{FF2B5EF4-FFF2-40B4-BE49-F238E27FC236}">
+                <a16:creationId xmlns:a16="http://schemas.microsoft.com/office/drawing/2014/main" id="{40AD8F22-2261-4F3F-9AD8-7DFF7D002A07}"/>
+              </a:ext>
+            </a:extLst>
+          </p:cNvPr>
+          <p:cNvSpPr txBox="1"/>
+          <p:nvPr/>
+        </p:nvSpPr>
+        <p:spPr>
+          <a:xfrm>
+            <a:off x="8121632" y="2512012"/>
+            <a:ext cx="1662635" cy="497957"/>
+          </a:xfrm>
+          <a:prstGeom prst="rect">
+            <a:avLst/>
+          </a:prstGeom>
+        </p:spPr>
+        <p:txBody>
+          <a:bodyPr>
+            <a:normAutofit/>
+          </a:bodyPr>
+          <a:lstStyle>
+            <a:defPPr>
+              <a:defRPr lang="zh-CN"/>
+            </a:defPPr>
+            <a:lvl1pPr marL="228600" indent="-228600">
+              <a:lnSpc>
+                <a:spcPct val="120000"/>
+              </a:lnSpc>
+              <a:spcBef>
+                <a:spcPts val="1000"/>
+              </a:spcBef>
+              <a:buFont typeface="Arial" panose="020B0604020202020204" pitchFamily="34" charset="0"/>
+              <a:buChar char="•"/>
+              <a:defRPr sz="2400">
+                <a:solidFill>
+                  <a:schemeClr val="tx1">
+                    <a:lumMod val="75000"/>
+                    <a:lumOff val="25000"/>
+                  </a:schemeClr>
+                </a:solidFill>
+                <a:latin typeface="微软雅黑" panose="020B0503020204020204" pitchFamily="34" charset="-122"/>
+                <a:ea typeface="微软雅黑" panose="020B0503020204020204" pitchFamily="34" charset="-122"/>
+                <a:cs typeface="Arial" panose="020B0604020202020204" pitchFamily="34" charset="0"/>
+              </a:defRPr>
+            </a:lvl1pPr>
+            <a:lvl2pPr marL="685800" lvl="1" indent="-228600">
+              <a:lnSpc>
+                <a:spcPct val="120000"/>
+              </a:lnSpc>
+              <a:spcBef>
+                <a:spcPts val="500"/>
+              </a:spcBef>
+              <a:buFont typeface="Arial" panose="020B0604020202020204" pitchFamily="34" charset="0"/>
+              <a:buChar char="•"/>
+              <a:defRPr sz="2000">
+                <a:solidFill>
+                  <a:schemeClr val="tx1">
+                    <a:lumMod val="75000"/>
+                    <a:lumOff val="25000"/>
+                  </a:schemeClr>
+                </a:solidFill>
+                <a:latin typeface="微软雅黑" panose="020B0503020204020204" pitchFamily="34" charset="-122"/>
+                <a:ea typeface="微软雅黑" panose="020B0503020204020204" pitchFamily="34" charset="-122"/>
+                <a:cs typeface="Arial" panose="020B0604020202020204" pitchFamily="34" charset="0"/>
+              </a:defRPr>
+            </a:lvl2pPr>
+            <a:lvl3pPr marL="1143000" indent="-228600">
+              <a:lnSpc>
+                <a:spcPct val="90000"/>
+              </a:lnSpc>
+              <a:spcBef>
+                <a:spcPts val="500"/>
+              </a:spcBef>
+              <a:buFont typeface="Arial" panose="020B0604020202020204" pitchFamily="34" charset="0"/>
+              <a:buChar char="•"/>
+              <a:defRPr sz="2000"/>
+            </a:lvl3pPr>
+            <a:lvl4pPr marL="1600200" indent="-228600">
+              <a:lnSpc>
+                <a:spcPct val="90000"/>
+              </a:lnSpc>
+              <a:spcBef>
+                <a:spcPts val="500"/>
+              </a:spcBef>
+              <a:buFont typeface="Arial" panose="020B0604020202020204" pitchFamily="34" charset="0"/>
+              <a:buChar char="•"/>
+            </a:lvl4pPr>
+            <a:lvl5pPr marL="2057400" indent="-228600">
+              <a:lnSpc>
+                <a:spcPct val="90000"/>
+              </a:lnSpc>
+              <a:spcBef>
+                <a:spcPts val="500"/>
+              </a:spcBef>
+              <a:buFont typeface="Arial" panose="020B0604020202020204" pitchFamily="34" charset="0"/>
+              <a:buChar char="•"/>
+            </a:lvl5pPr>
+            <a:lvl6pPr marL="2514600" indent="-228600">
+              <a:lnSpc>
+                <a:spcPct val="90000"/>
+              </a:lnSpc>
+              <a:spcBef>
+                <a:spcPts val="500"/>
+              </a:spcBef>
+              <a:buFont typeface="Arial" panose="020B0604020202020204" pitchFamily="34" charset="0"/>
+              <a:buChar char="•"/>
+            </a:lvl6pPr>
+            <a:lvl7pPr marL="2971800" indent="-228600">
+              <a:lnSpc>
+                <a:spcPct val="90000"/>
+              </a:lnSpc>
+              <a:spcBef>
+                <a:spcPts val="500"/>
+              </a:spcBef>
+              <a:buFont typeface="Arial" panose="020B0604020202020204" pitchFamily="34" charset="0"/>
+              <a:buChar char="•"/>
+            </a:lvl7pPr>
+            <a:lvl8pPr marL="3429000" indent="-228600">
+              <a:lnSpc>
+                <a:spcPct val="90000"/>
+              </a:lnSpc>
+              <a:spcBef>
+                <a:spcPts val="500"/>
+              </a:spcBef>
+              <a:buFont typeface="Arial" panose="020B0604020202020204" pitchFamily="34" charset="0"/>
+              <a:buChar char="•"/>
+            </a:lvl8pPr>
+            <a:lvl9pPr marL="3886200" indent="-228600">
+              <a:lnSpc>
+                <a:spcPct val="90000"/>
+              </a:lnSpc>
+              <a:spcBef>
+                <a:spcPts val="500"/>
+              </a:spcBef>
+              <a:buFont typeface="Arial" panose="020B0604020202020204" pitchFamily="34" charset="0"/>
+              <a:buChar char="•"/>
+            </a:lvl9pPr>
+          </a:lstStyle>
+          <a:p>
+            <a:pPr marL="0" indent="0">
+              <a:buNone/>
+            </a:pPr>
+            <a:r>
+              <a:rPr lang="fr-CA" altLang="zh-CN" sz="2400" dirty="0">
+                <a:solidFill>
+                  <a:schemeClr val="tx1">
+                    <a:lumMod val="65000"/>
+                    <a:lumOff val="35000"/>
+                  </a:schemeClr>
+                </a:solidFill>
+                <a:latin typeface="微软雅黑" panose="020B0503020204020204" pitchFamily="34" charset="-122"/>
+                <a:ea typeface="微软雅黑" panose="020B0503020204020204" pitchFamily="34" charset="-122"/>
+                <a:cs typeface="Arial" panose="020B0604020202020204" pitchFamily="34" charset="0"/>
+              </a:rPr>
+              <a:t>Logiciel</a:t>
+            </a:r>
+          </a:p>
+        </p:txBody>
+      </p:sp>
+      <p:sp>
+        <p:nvSpPr>
+          <p:cNvPr id="35" name="箭头: 右 34">
+            <a:extLst>
+              <a:ext uri="{FF2B5EF4-FFF2-40B4-BE49-F238E27FC236}">
+                <a16:creationId xmlns:a16="http://schemas.microsoft.com/office/drawing/2014/main" id="{7BA03664-B6F6-4758-AA24-79480A709B11}"/>
+              </a:ext>
+            </a:extLst>
+          </p:cNvPr>
+          <p:cNvSpPr/>
+          <p:nvPr/>
+        </p:nvSpPr>
+        <p:spPr>
+          <a:xfrm>
+            <a:off x="6921044" y="4362374"/>
+            <a:ext cx="536201" cy="271141"/>
+          </a:xfrm>
+          <a:prstGeom prst="rightArrow">
+            <a:avLst/>
+          </a:prstGeom>
+          <a:noFill/>
+          <a:ln w="28575">
+            <a:solidFill>
+              <a:schemeClr val="tx1">
+                <a:lumMod val="75000"/>
+                <a:lumOff val="25000"/>
+              </a:schemeClr>
+            </a:solidFill>
+            <a:prstDash val="sysDash"/>
+          </a:ln>
+        </p:spPr>
+        <p:style>
+          <a:lnRef idx="2">
+            <a:schemeClr val="accent1">
+              <a:shade val="50000"/>
+            </a:schemeClr>
+          </a:lnRef>
+          <a:fillRef idx="1">
+            <a:schemeClr val="accent1"/>
+          </a:fillRef>
+          <a:effectRef idx="0">
+            <a:schemeClr val="accent1"/>
+          </a:effectRef>
+          <a:fontRef idx="minor">
+            <a:schemeClr val="lt1"/>
+          </a:fontRef>
+        </p:style>
+        <p:txBody>
+          <a:bodyPr rtlCol="0" anchor="ctr"/>
+          <a:lstStyle/>
+          <a:p>
+            <a:pPr algn="ctr"/>
+            <a:endParaRPr lang="fr-CA" sz="2000">
+              <a:solidFill>
+                <a:schemeClr val="accent4">
+                  <a:lumMod val="75000"/>
+                </a:schemeClr>
+              </a:solidFill>
+              <a:latin typeface="微软雅黑" panose="020B0503020204020204" pitchFamily="34" charset="-122"/>
+              <a:ea typeface="微软雅黑" panose="020B0503020204020204" pitchFamily="34" charset="-122"/>
+              <a:cs typeface="Arial" panose="020B0604020202020204" pitchFamily="34" charset="0"/>
+            </a:endParaRPr>
+          </a:p>
+        </p:txBody>
+      </p:sp>
+      <p:sp>
+        <p:nvSpPr>
+          <p:cNvPr id="36" name="文本框 35">
+            <a:extLst>
+              <a:ext uri="{FF2B5EF4-FFF2-40B4-BE49-F238E27FC236}">
+                <a16:creationId xmlns:a16="http://schemas.microsoft.com/office/drawing/2014/main" id="{293977BB-38CB-49B8-B8FA-9DB6F1C66877}"/>
+              </a:ext>
+            </a:extLst>
+          </p:cNvPr>
+          <p:cNvSpPr txBox="1"/>
+          <p:nvPr/>
+        </p:nvSpPr>
+        <p:spPr>
+          <a:xfrm>
+            <a:off x="8121632" y="4248965"/>
+            <a:ext cx="2622568" cy="875485"/>
+          </a:xfrm>
+          <a:prstGeom prst="rect">
+            <a:avLst/>
+          </a:prstGeom>
+        </p:spPr>
+        <p:txBody>
+          <a:bodyPr>
+            <a:normAutofit/>
+          </a:bodyPr>
+          <a:lstStyle>
+            <a:defPPr>
+              <a:defRPr lang="zh-CN"/>
+            </a:defPPr>
+            <a:lvl1pPr marL="228600" indent="-228600">
+              <a:lnSpc>
+                <a:spcPct val="120000"/>
+              </a:lnSpc>
+              <a:spcBef>
+                <a:spcPts val="1000"/>
+              </a:spcBef>
+              <a:buFont typeface="Arial" panose="020B0604020202020204" pitchFamily="34" charset="0"/>
+              <a:buChar char="•"/>
+              <a:defRPr sz="2400">
+                <a:solidFill>
+                  <a:schemeClr val="tx1">
+                    <a:lumMod val="75000"/>
+                    <a:lumOff val="25000"/>
+                  </a:schemeClr>
+                </a:solidFill>
+                <a:latin typeface="微软雅黑" panose="020B0503020204020204" pitchFamily="34" charset="-122"/>
+                <a:ea typeface="微软雅黑" panose="020B0503020204020204" pitchFamily="34" charset="-122"/>
+                <a:cs typeface="Arial" panose="020B0604020202020204" pitchFamily="34" charset="0"/>
+              </a:defRPr>
+            </a:lvl1pPr>
+            <a:lvl2pPr marL="685800" lvl="1" indent="-228600">
+              <a:lnSpc>
+                <a:spcPct val="120000"/>
+              </a:lnSpc>
+              <a:spcBef>
+                <a:spcPts val="500"/>
+              </a:spcBef>
+              <a:buFont typeface="Arial" panose="020B0604020202020204" pitchFamily="34" charset="0"/>
+              <a:buChar char="•"/>
+              <a:defRPr sz="2000">
+                <a:solidFill>
+                  <a:schemeClr val="tx1">
+                    <a:lumMod val="75000"/>
+                    <a:lumOff val="25000"/>
+                  </a:schemeClr>
+                </a:solidFill>
+                <a:latin typeface="微软雅黑" panose="020B0503020204020204" pitchFamily="34" charset="-122"/>
+                <a:ea typeface="微软雅黑" panose="020B0503020204020204" pitchFamily="34" charset="-122"/>
+                <a:cs typeface="Arial" panose="020B0604020202020204" pitchFamily="34" charset="0"/>
+              </a:defRPr>
+            </a:lvl2pPr>
+            <a:lvl3pPr marL="1143000" indent="-228600">
+              <a:lnSpc>
+                <a:spcPct val="90000"/>
+              </a:lnSpc>
+              <a:spcBef>
+                <a:spcPts val="500"/>
+              </a:spcBef>
+              <a:buFont typeface="Arial" panose="020B0604020202020204" pitchFamily="34" charset="0"/>
+              <a:buChar char="•"/>
+              <a:defRPr sz="2000"/>
+            </a:lvl3pPr>
+            <a:lvl4pPr marL="1600200" indent="-228600">
+              <a:lnSpc>
+                <a:spcPct val="90000"/>
+              </a:lnSpc>
+              <a:spcBef>
+                <a:spcPts val="500"/>
+              </a:spcBef>
+              <a:buFont typeface="Arial" panose="020B0604020202020204" pitchFamily="34" charset="0"/>
+              <a:buChar char="•"/>
+            </a:lvl4pPr>
+            <a:lvl5pPr marL="2057400" indent="-228600">
+              <a:lnSpc>
+                <a:spcPct val="90000"/>
+              </a:lnSpc>
+              <a:spcBef>
+                <a:spcPts val="500"/>
+              </a:spcBef>
+              <a:buFont typeface="Arial" panose="020B0604020202020204" pitchFamily="34" charset="0"/>
+              <a:buChar char="•"/>
+            </a:lvl5pPr>
+            <a:lvl6pPr marL="2514600" indent="-228600">
+              <a:lnSpc>
+                <a:spcPct val="90000"/>
+              </a:lnSpc>
+              <a:spcBef>
+                <a:spcPts val="500"/>
+              </a:spcBef>
+              <a:buFont typeface="Arial" panose="020B0604020202020204" pitchFamily="34" charset="0"/>
+              <a:buChar char="•"/>
+            </a:lvl6pPr>
+            <a:lvl7pPr marL="2971800" indent="-228600">
+              <a:lnSpc>
+                <a:spcPct val="90000"/>
+              </a:lnSpc>
+              <a:spcBef>
+                <a:spcPts val="500"/>
+              </a:spcBef>
+              <a:buFont typeface="Arial" panose="020B0604020202020204" pitchFamily="34" charset="0"/>
+              <a:buChar char="•"/>
+            </a:lvl7pPr>
+            <a:lvl8pPr marL="3429000" indent="-228600">
+              <a:lnSpc>
+                <a:spcPct val="90000"/>
+              </a:lnSpc>
+              <a:spcBef>
+                <a:spcPts val="500"/>
+              </a:spcBef>
+              <a:buFont typeface="Arial" panose="020B0604020202020204" pitchFamily="34" charset="0"/>
+              <a:buChar char="•"/>
+            </a:lvl8pPr>
+            <a:lvl9pPr marL="3886200" indent="-228600">
+              <a:lnSpc>
+                <a:spcPct val="90000"/>
+              </a:lnSpc>
+              <a:spcBef>
+                <a:spcPts val="500"/>
+              </a:spcBef>
+              <a:buFont typeface="Arial" panose="020B0604020202020204" pitchFamily="34" charset="0"/>
+              <a:buChar char="•"/>
+            </a:lvl9pPr>
+          </a:lstStyle>
+          <a:p>
+            <a:pPr marL="0" indent="0">
+              <a:buNone/>
+            </a:pPr>
+            <a:r>
+              <a:rPr lang="en-US" altLang="zh-CN" dirty="0"/>
+              <a:t>D</a:t>
+            </a:r>
+            <a:r>
+              <a:rPr lang="fr-FR" altLang="zh-CN" dirty="0"/>
+              <a:t>é</a:t>
+            </a:r>
+            <a:r>
+              <a:rPr lang="en-US" altLang="zh-CN" dirty="0" err="1"/>
+              <a:t>monstrateur</a:t>
+            </a:r>
+            <a:endParaRPr lang="fr-CA" dirty="0"/>
+          </a:p>
+        </p:txBody>
+      </p:sp>
+    </p:spTree>
+    <p:extLst>
+      <p:ext uri="{BB962C8B-B14F-4D97-AF65-F5344CB8AC3E}">
+        <p14:creationId xmlns:p14="http://schemas.microsoft.com/office/powerpoint/2010/main" val="4104622946"/>
+      </p:ext>
+    </p:extLst>
+  </p:cSld>
+  <p:clrMapOvr>
+    <a:masterClrMapping/>
+  </p:clrMapOvr>
+  <p:transition>
+    <p:fade/>
+  </p:transition>
+</p:sld>
+</file>
+
+<file path=ppt/slides/slide8.xml><?xml version="1.0" encoding="utf-8"?>
+<p:sld xmlns:a="http://schemas.openxmlformats.org/drawingml/2006/main" xmlns:r="http://schemas.openxmlformats.org/officeDocument/2006/relationships" xmlns:p="http://schemas.openxmlformats.org/presentationml/2006/main">
+  <p:cSld>
+    <p:spTree>
+      <p:nvGrpSpPr>
+        <p:cNvPr id="1" name=""/>
+        <p:cNvGrpSpPr/>
+        <p:nvPr/>
+      </p:nvGrpSpPr>
+      <p:grpSpPr>
+        <a:xfrm>
+          <a:off x="0" y="0"/>
+          <a:ext cx="0" cy="0"/>
+          <a:chOff x="0" y="0"/>
+          <a:chExt cx="0" cy="0"/>
+        </a:xfrm>
+      </p:grpSpPr>
+      <p:sp>
+        <p:nvSpPr>
+          <p:cNvPr id="2" name="Freeform 5">
+            <a:extLst>
+              <a:ext uri="{FF2B5EF4-FFF2-40B4-BE49-F238E27FC236}">
+                <a16:creationId xmlns:a16="http://schemas.microsoft.com/office/drawing/2014/main" id="{22EDC1DD-73FB-4204-B76B-323FDB5F93A1}"/>
+              </a:ext>
+            </a:extLst>
+          </p:cNvPr>
+          <p:cNvSpPr>
+            <a:spLocks noEditPoints="1"/>
+          </p:cNvSpPr>
+          <p:nvPr/>
+        </p:nvSpPr>
+        <p:spPr bwMode="auto">
+          <a:xfrm>
+            <a:off x="11088652" y="255806"/>
+            <a:ext cx="684247" cy="637812"/>
+          </a:xfrm>
+          <a:custGeom>
+            <a:avLst/>
+            <a:gdLst>
+              <a:gd name="T0" fmla="*/ 400 w 528"/>
+              <a:gd name="T1" fmla="*/ 293 h 471"/>
+              <a:gd name="T2" fmla="*/ 430 w 528"/>
+              <a:gd name="T3" fmla="*/ 279 h 471"/>
+              <a:gd name="T4" fmla="*/ 430 w 528"/>
+              <a:gd name="T5" fmla="*/ 278 h 471"/>
+              <a:gd name="T6" fmla="*/ 430 w 528"/>
+              <a:gd name="T7" fmla="*/ 204 h 471"/>
+              <a:gd name="T8" fmla="*/ 401 w 528"/>
+              <a:gd name="T9" fmla="*/ 218 h 471"/>
+              <a:gd name="T10" fmla="*/ 400 w 528"/>
+              <a:gd name="T11" fmla="*/ 293 h 471"/>
+              <a:gd name="T12" fmla="*/ 90 w 528"/>
+              <a:gd name="T13" fmla="*/ 204 h 471"/>
+              <a:gd name="T14" fmla="*/ 90 w 528"/>
+              <a:gd name="T15" fmla="*/ 279 h 471"/>
+              <a:gd name="T16" fmla="*/ 248 w 528"/>
+              <a:gd name="T17" fmla="*/ 354 h 471"/>
+              <a:gd name="T18" fmla="*/ 274 w 528"/>
+              <a:gd name="T19" fmla="*/ 354 h 471"/>
+              <a:gd name="T20" fmla="*/ 371 w 528"/>
+              <a:gd name="T21" fmla="*/ 307 h 471"/>
+              <a:gd name="T22" fmla="*/ 371 w 528"/>
+              <a:gd name="T23" fmla="*/ 232 h 471"/>
+              <a:gd name="T24" fmla="*/ 260 w 528"/>
+              <a:gd name="T25" fmla="*/ 286 h 471"/>
+              <a:gd name="T26" fmla="*/ 90 w 528"/>
+              <a:gd name="T27" fmla="*/ 204 h 471"/>
+              <a:gd name="T28" fmla="*/ 394 w 528"/>
+              <a:gd name="T29" fmla="*/ 197 h 471"/>
+              <a:gd name="T30" fmla="*/ 391 w 528"/>
+              <a:gd name="T31" fmla="*/ 196 h 471"/>
+              <a:gd name="T32" fmla="*/ 287 w 528"/>
+              <a:gd name="T33" fmla="*/ 139 h 471"/>
+              <a:gd name="T34" fmla="*/ 288 w 528"/>
+              <a:gd name="T35" fmla="*/ 132 h 471"/>
+              <a:gd name="T36" fmla="*/ 264 w 528"/>
+              <a:gd name="T37" fmla="*/ 108 h 471"/>
+              <a:gd name="T38" fmla="*/ 240 w 528"/>
+              <a:gd name="T39" fmla="*/ 132 h 471"/>
+              <a:gd name="T40" fmla="*/ 264 w 528"/>
+              <a:gd name="T41" fmla="*/ 156 h 471"/>
+              <a:gd name="T42" fmla="*/ 281 w 528"/>
+              <a:gd name="T43" fmla="*/ 150 h 471"/>
+              <a:gd name="T44" fmla="*/ 383 w 528"/>
+              <a:gd name="T45" fmla="*/ 207 h 471"/>
+              <a:gd name="T46" fmla="*/ 394 w 528"/>
+              <a:gd name="T47" fmla="*/ 197 h 471"/>
+              <a:gd name="T48" fmla="*/ 528 w 528"/>
+              <a:gd name="T49" fmla="*/ 132 h 471"/>
+              <a:gd name="T50" fmla="*/ 260 w 528"/>
+              <a:gd name="T51" fmla="*/ 0 h 471"/>
+              <a:gd name="T52" fmla="*/ 0 w 528"/>
+              <a:gd name="T53" fmla="*/ 126 h 471"/>
+              <a:gd name="T54" fmla="*/ 0 w 528"/>
+              <a:gd name="T55" fmla="*/ 137 h 471"/>
+              <a:gd name="T56" fmla="*/ 260 w 528"/>
+              <a:gd name="T57" fmla="*/ 263 h 471"/>
+              <a:gd name="T58" fmla="*/ 371 w 528"/>
+              <a:gd name="T59" fmla="*/ 209 h 471"/>
+              <a:gd name="T60" fmla="*/ 371 w 528"/>
+              <a:gd name="T61" fmla="*/ 205 h 471"/>
+              <a:gd name="T62" fmla="*/ 281 w 528"/>
+              <a:gd name="T63" fmla="*/ 158 h 471"/>
+              <a:gd name="T64" fmla="*/ 264 w 528"/>
+              <a:gd name="T65" fmla="*/ 163 h 471"/>
+              <a:gd name="T66" fmla="*/ 233 w 528"/>
+              <a:gd name="T67" fmla="*/ 132 h 471"/>
+              <a:gd name="T68" fmla="*/ 264 w 528"/>
+              <a:gd name="T69" fmla="*/ 100 h 471"/>
+              <a:gd name="T70" fmla="*/ 295 w 528"/>
+              <a:gd name="T71" fmla="*/ 132 h 471"/>
+              <a:gd name="T72" fmla="*/ 295 w 528"/>
+              <a:gd name="T73" fmla="*/ 135 h 471"/>
+              <a:gd name="T74" fmla="*/ 401 w 528"/>
+              <a:gd name="T75" fmla="*/ 194 h 471"/>
+              <a:gd name="T76" fmla="*/ 528 w 528"/>
+              <a:gd name="T77" fmla="*/ 132 h 471"/>
+              <a:gd name="T78" fmla="*/ 394 w 528"/>
+              <a:gd name="T79" fmla="*/ 197 h 471"/>
+              <a:gd name="T80" fmla="*/ 395 w 528"/>
+              <a:gd name="T81" fmla="*/ 293 h 471"/>
+              <a:gd name="T82" fmla="*/ 404 w 528"/>
+              <a:gd name="T83" fmla="*/ 307 h 471"/>
+              <a:gd name="T84" fmla="*/ 396 w 528"/>
+              <a:gd name="T85" fmla="*/ 320 h 471"/>
+              <a:gd name="T86" fmla="*/ 403 w 528"/>
+              <a:gd name="T87" fmla="*/ 320 h 471"/>
+              <a:gd name="T88" fmla="*/ 416 w 528"/>
+              <a:gd name="T89" fmla="*/ 471 h 471"/>
+              <a:gd name="T90" fmla="*/ 364 w 528"/>
+              <a:gd name="T91" fmla="*/ 471 h 471"/>
+              <a:gd name="T92" fmla="*/ 377 w 528"/>
+              <a:gd name="T93" fmla="*/ 320 h 471"/>
+              <a:gd name="T94" fmla="*/ 384 w 528"/>
+              <a:gd name="T95" fmla="*/ 320 h 471"/>
+              <a:gd name="T96" fmla="*/ 376 w 528"/>
+              <a:gd name="T97" fmla="*/ 307 h 471"/>
+              <a:gd name="T98" fmla="*/ 384 w 528"/>
+              <a:gd name="T99" fmla="*/ 293 h 471"/>
+              <a:gd name="T100" fmla="*/ 383 w 528"/>
+              <a:gd name="T101" fmla="*/ 207 h 471"/>
+              <a:gd name="T102" fmla="*/ 394 w 528"/>
+              <a:gd name="T103" fmla="*/ 197 h 471"/>
+            </a:gdLst>
+            <a:ahLst/>
+            <a:cxnLst>
+              <a:cxn ang="0">
+                <a:pos x="T0" y="T1"/>
+              </a:cxn>
+              <a:cxn ang="0">
+                <a:pos x="T2" y="T3"/>
+              </a:cxn>
+              <a:cxn ang="0">
+                <a:pos x="T4" y="T5"/>
+              </a:cxn>
+              <a:cxn ang="0">
+                <a:pos x="T6" y="T7"/>
+              </a:cxn>
+              <a:cxn ang="0">
+                <a:pos x="T8" y="T9"/>
+              </a:cxn>
+              <a:cxn ang="0">
+                <a:pos x="T10" y="T11"/>
+              </a:cxn>
+              <a:cxn ang="0">
+                <a:pos x="T12" y="T13"/>
+              </a:cxn>
+              <a:cxn ang="0">
+                <a:pos x="T14" y="T15"/>
+              </a:cxn>
+              <a:cxn ang="0">
+                <a:pos x="T16" y="T17"/>
+              </a:cxn>
+              <a:cxn ang="0">
+                <a:pos x="T18" y="T19"/>
+              </a:cxn>
+              <a:cxn ang="0">
+                <a:pos x="T20" y="T21"/>
+              </a:cxn>
+              <a:cxn ang="0">
+                <a:pos x="T22" y="T23"/>
+              </a:cxn>
+              <a:cxn ang="0">
+                <a:pos x="T24" y="T25"/>
+              </a:cxn>
+              <a:cxn ang="0">
+                <a:pos x="T26" y="T27"/>
+              </a:cxn>
+              <a:cxn ang="0">
+                <a:pos x="T28" y="T29"/>
+              </a:cxn>
+              <a:cxn ang="0">
+                <a:pos x="T30" y="T31"/>
+              </a:cxn>
+              <a:cxn ang="0">
+                <a:pos x="T32" y="T33"/>
+              </a:cxn>
+              <a:cxn ang="0">
+                <a:pos x="T34" y="T35"/>
+              </a:cxn>
+              <a:cxn ang="0">
+                <a:pos x="T36" y="T37"/>
+              </a:cxn>
+              <a:cxn ang="0">
+                <a:pos x="T38" y="T39"/>
+              </a:cxn>
+              <a:cxn ang="0">
+                <a:pos x="T40" y="T41"/>
+              </a:cxn>
+              <a:cxn ang="0">
+                <a:pos x="T42" y="T43"/>
+              </a:cxn>
+              <a:cxn ang="0">
+                <a:pos x="T44" y="T45"/>
+              </a:cxn>
+              <a:cxn ang="0">
+                <a:pos x="T46" y="T47"/>
+              </a:cxn>
+              <a:cxn ang="0">
+                <a:pos x="T48" y="T49"/>
+              </a:cxn>
+              <a:cxn ang="0">
+                <a:pos x="T50" y="T51"/>
+              </a:cxn>
+              <a:cxn ang="0">
+                <a:pos x="T52" y="T53"/>
+              </a:cxn>
+              <a:cxn ang="0">
+                <a:pos x="T54" y="T55"/>
+              </a:cxn>
+              <a:cxn ang="0">
+                <a:pos x="T56" y="T57"/>
+              </a:cxn>
+              <a:cxn ang="0">
+                <a:pos x="T58" y="T59"/>
+              </a:cxn>
+              <a:cxn ang="0">
+                <a:pos x="T60" y="T61"/>
+              </a:cxn>
+              <a:cxn ang="0">
+                <a:pos x="T62" y="T63"/>
+              </a:cxn>
+              <a:cxn ang="0">
+                <a:pos x="T64" y="T65"/>
+              </a:cxn>
+              <a:cxn ang="0">
+                <a:pos x="T66" y="T67"/>
+              </a:cxn>
+              <a:cxn ang="0">
+                <a:pos x="T68" y="T69"/>
+              </a:cxn>
+              <a:cxn ang="0">
+                <a:pos x="T70" y="T71"/>
+              </a:cxn>
+              <a:cxn ang="0">
+                <a:pos x="T72" y="T73"/>
+              </a:cxn>
+              <a:cxn ang="0">
+                <a:pos x="T74" y="T75"/>
+              </a:cxn>
+              <a:cxn ang="0">
+                <a:pos x="T76" y="T77"/>
+              </a:cxn>
+              <a:cxn ang="0">
+                <a:pos x="T78" y="T79"/>
+              </a:cxn>
+              <a:cxn ang="0">
+                <a:pos x="T80" y="T81"/>
+              </a:cxn>
+              <a:cxn ang="0">
+                <a:pos x="T82" y="T83"/>
+              </a:cxn>
+              <a:cxn ang="0">
+                <a:pos x="T84" y="T85"/>
+              </a:cxn>
+              <a:cxn ang="0">
+                <a:pos x="T86" y="T87"/>
+              </a:cxn>
+              <a:cxn ang="0">
+                <a:pos x="T88" y="T89"/>
+              </a:cxn>
+              <a:cxn ang="0">
+                <a:pos x="T90" y="T91"/>
+              </a:cxn>
+              <a:cxn ang="0">
+                <a:pos x="T92" y="T93"/>
+              </a:cxn>
+              <a:cxn ang="0">
+                <a:pos x="T94" y="T95"/>
+              </a:cxn>
+              <a:cxn ang="0">
+                <a:pos x="T96" y="T97"/>
+              </a:cxn>
+              <a:cxn ang="0">
+                <a:pos x="T98" y="T99"/>
+              </a:cxn>
+              <a:cxn ang="0">
+                <a:pos x="T100" y="T101"/>
+              </a:cxn>
+              <a:cxn ang="0">
+                <a:pos x="T102" y="T103"/>
+              </a:cxn>
+            </a:cxnLst>
+            <a:rect l="0" t="0" r="r" b="b"/>
+            <a:pathLst>
+              <a:path w="528" h="471">
+                <a:moveTo>
+                  <a:pt x="400" y="293"/>
+                </a:moveTo>
+                <a:cubicBezTo>
+                  <a:pt x="430" y="279"/>
+                  <a:pt x="430" y="279"/>
+                  <a:pt x="430" y="279"/>
+                </a:cubicBezTo>
+                <a:cubicBezTo>
+                  <a:pt x="430" y="279"/>
+                  <a:pt x="430" y="278"/>
+                  <a:pt x="430" y="278"/>
+                </a:cubicBezTo>
+                <a:cubicBezTo>
+                  <a:pt x="430" y="204"/>
+                  <a:pt x="430" y="204"/>
+                  <a:pt x="430" y="204"/>
+                </a:cubicBezTo>
+                <a:cubicBezTo>
+                  <a:pt x="401" y="218"/>
+                  <a:pt x="401" y="218"/>
+                  <a:pt x="401" y="218"/>
+                </a:cubicBezTo>
+                <a:cubicBezTo>
+                  <a:pt x="400" y="293"/>
+                  <a:pt x="400" y="293"/>
+                  <a:pt x="400" y="293"/>
+                </a:cubicBezTo>
+                <a:close/>
+                <a:moveTo>
+                  <a:pt x="90" y="204"/>
+                </a:moveTo>
+                <a:cubicBezTo>
+                  <a:pt x="90" y="279"/>
+                  <a:pt x="90" y="279"/>
+                  <a:pt x="90" y="279"/>
+                </a:cubicBezTo>
+                <a:cubicBezTo>
+                  <a:pt x="143" y="304"/>
+                  <a:pt x="195" y="329"/>
+                  <a:pt x="248" y="354"/>
+                </a:cubicBezTo>
+                <a:cubicBezTo>
+                  <a:pt x="257" y="357"/>
+                  <a:pt x="265" y="357"/>
+                  <a:pt x="274" y="354"/>
+                </a:cubicBezTo>
+                <a:cubicBezTo>
+                  <a:pt x="371" y="307"/>
+                  <a:pt x="371" y="307"/>
+                  <a:pt x="371" y="307"/>
+                </a:cubicBezTo>
+                <a:cubicBezTo>
+                  <a:pt x="371" y="232"/>
+                  <a:pt x="371" y="232"/>
+                  <a:pt x="371" y="232"/>
+                </a:cubicBezTo>
+                <a:cubicBezTo>
+                  <a:pt x="260" y="286"/>
+                  <a:pt x="260" y="286"/>
+                  <a:pt x="260" y="286"/>
+                </a:cubicBezTo>
+                <a:cubicBezTo>
+                  <a:pt x="90" y="204"/>
+                  <a:pt x="90" y="204"/>
+                  <a:pt x="90" y="204"/>
+                </a:cubicBezTo>
+                <a:close/>
+                <a:moveTo>
+                  <a:pt x="394" y="197"/>
+                </a:moveTo>
+                <a:cubicBezTo>
+                  <a:pt x="391" y="196"/>
+                  <a:pt x="391" y="196"/>
+                  <a:pt x="391" y="196"/>
+                </a:cubicBezTo>
+                <a:cubicBezTo>
+                  <a:pt x="287" y="139"/>
+                  <a:pt x="287" y="139"/>
+                  <a:pt x="287" y="139"/>
+                </a:cubicBezTo>
+                <a:cubicBezTo>
+                  <a:pt x="288" y="136"/>
+                  <a:pt x="288" y="134"/>
+                  <a:pt x="288" y="132"/>
+                </a:cubicBezTo>
+                <a:cubicBezTo>
+                  <a:pt x="288" y="118"/>
+                  <a:pt x="277" y="108"/>
+                  <a:pt x="264" y="108"/>
+                </a:cubicBezTo>
+                <a:cubicBezTo>
+                  <a:pt x="251" y="108"/>
+                  <a:pt x="240" y="118"/>
+                  <a:pt x="240" y="132"/>
+                </a:cubicBezTo>
+                <a:cubicBezTo>
+                  <a:pt x="240" y="145"/>
+                  <a:pt x="251" y="156"/>
+                  <a:pt x="264" y="156"/>
+                </a:cubicBezTo>
+                <a:cubicBezTo>
+                  <a:pt x="270" y="156"/>
+                  <a:pt x="276" y="154"/>
+                  <a:pt x="281" y="150"/>
+                </a:cubicBezTo>
+                <a:cubicBezTo>
+                  <a:pt x="383" y="207"/>
+                  <a:pt x="383" y="207"/>
+                  <a:pt x="383" y="207"/>
+                </a:cubicBezTo>
+                <a:cubicBezTo>
+                  <a:pt x="394" y="197"/>
+                  <a:pt x="394" y="197"/>
+                  <a:pt x="394" y="197"/>
+                </a:cubicBezTo>
+                <a:close/>
+                <a:moveTo>
+                  <a:pt x="528" y="132"/>
+                </a:moveTo>
+                <a:cubicBezTo>
+                  <a:pt x="260" y="0"/>
+                  <a:pt x="260" y="0"/>
+                  <a:pt x="260" y="0"/>
+                </a:cubicBezTo>
+                <a:cubicBezTo>
+                  <a:pt x="0" y="126"/>
+                  <a:pt x="0" y="126"/>
+                  <a:pt x="0" y="126"/>
+                </a:cubicBezTo>
+                <a:cubicBezTo>
+                  <a:pt x="0" y="137"/>
+                  <a:pt x="0" y="137"/>
+                  <a:pt x="0" y="137"/>
+                </a:cubicBezTo>
+                <a:cubicBezTo>
+                  <a:pt x="260" y="263"/>
+                  <a:pt x="260" y="263"/>
+                  <a:pt x="260" y="263"/>
+                </a:cubicBezTo>
+                <a:cubicBezTo>
+                  <a:pt x="371" y="209"/>
+                  <a:pt x="371" y="209"/>
+                  <a:pt x="371" y="209"/>
+                </a:cubicBezTo>
+                <a:cubicBezTo>
+                  <a:pt x="371" y="205"/>
+                  <a:pt x="371" y="205"/>
+                  <a:pt x="371" y="205"/>
+                </a:cubicBezTo>
+                <a:cubicBezTo>
+                  <a:pt x="281" y="158"/>
+                  <a:pt x="281" y="158"/>
+                  <a:pt x="281" y="158"/>
+                </a:cubicBezTo>
+                <a:cubicBezTo>
+                  <a:pt x="276" y="162"/>
+                  <a:pt x="270" y="163"/>
+                  <a:pt x="264" y="163"/>
+                </a:cubicBezTo>
+                <a:cubicBezTo>
+                  <a:pt x="247" y="163"/>
+                  <a:pt x="233" y="149"/>
+                  <a:pt x="233" y="132"/>
+                </a:cubicBezTo>
+                <a:cubicBezTo>
+                  <a:pt x="233" y="114"/>
+                  <a:pt x="247" y="100"/>
+                  <a:pt x="264" y="100"/>
+                </a:cubicBezTo>
+                <a:cubicBezTo>
+                  <a:pt x="281" y="100"/>
+                  <a:pt x="295" y="114"/>
+                  <a:pt x="295" y="132"/>
+                </a:cubicBezTo>
+                <a:cubicBezTo>
+                  <a:pt x="295" y="133"/>
+                  <a:pt x="295" y="134"/>
+                  <a:pt x="295" y="135"/>
+                </a:cubicBezTo>
+                <a:cubicBezTo>
+                  <a:pt x="401" y="194"/>
+                  <a:pt x="401" y="194"/>
+                  <a:pt x="401" y="194"/>
+                </a:cubicBezTo>
+                <a:cubicBezTo>
+                  <a:pt x="528" y="132"/>
+                  <a:pt x="528" y="132"/>
+                  <a:pt x="528" y="132"/>
+                </a:cubicBezTo>
+                <a:close/>
+                <a:moveTo>
+                  <a:pt x="394" y="197"/>
+                </a:moveTo>
+                <a:cubicBezTo>
+                  <a:pt x="395" y="293"/>
+                  <a:pt x="395" y="293"/>
+                  <a:pt x="395" y="293"/>
+                </a:cubicBezTo>
+                <a:cubicBezTo>
+                  <a:pt x="401" y="295"/>
+                  <a:pt x="404" y="300"/>
+                  <a:pt x="404" y="307"/>
+                </a:cubicBezTo>
+                <a:cubicBezTo>
+                  <a:pt x="404" y="312"/>
+                  <a:pt x="401" y="317"/>
+                  <a:pt x="396" y="320"/>
+                </a:cubicBezTo>
+                <a:cubicBezTo>
+                  <a:pt x="403" y="320"/>
+                  <a:pt x="403" y="320"/>
+                  <a:pt x="403" y="320"/>
+                </a:cubicBezTo>
+                <a:cubicBezTo>
+                  <a:pt x="416" y="471"/>
+                  <a:pt x="416" y="471"/>
+                  <a:pt x="416" y="471"/>
+                </a:cubicBezTo>
+                <a:cubicBezTo>
+                  <a:pt x="364" y="471"/>
+                  <a:pt x="364" y="471"/>
+                  <a:pt x="364" y="471"/>
+                </a:cubicBezTo>
+                <a:cubicBezTo>
+                  <a:pt x="377" y="320"/>
+                  <a:pt x="377" y="320"/>
+                  <a:pt x="377" y="320"/>
+                </a:cubicBezTo>
+                <a:cubicBezTo>
+                  <a:pt x="384" y="320"/>
+                  <a:pt x="384" y="320"/>
+                  <a:pt x="384" y="320"/>
+                </a:cubicBezTo>
+                <a:cubicBezTo>
+                  <a:pt x="379" y="317"/>
+                  <a:pt x="376" y="312"/>
+                  <a:pt x="376" y="307"/>
+                </a:cubicBezTo>
+                <a:cubicBezTo>
+                  <a:pt x="376" y="301"/>
+                  <a:pt x="379" y="296"/>
+                  <a:pt x="384" y="293"/>
+                </a:cubicBezTo>
+                <a:cubicBezTo>
+                  <a:pt x="383" y="207"/>
+                  <a:pt x="383" y="207"/>
+                  <a:pt x="383" y="207"/>
+                </a:cubicBezTo>
+                <a:cubicBezTo>
+                  <a:pt x="394" y="197"/>
+                  <a:pt x="394" y="197"/>
+                  <a:pt x="394" y="197"/>
+                </a:cubicBezTo>
+                <a:close/>
+              </a:path>
+            </a:pathLst>
+          </a:custGeom>
+          <a:solidFill>
+            <a:srgbClr val="0F3C89"/>
+          </a:solidFill>
+          <a:ln>
+            <a:noFill/>
+          </a:ln>
+        </p:spPr>
+        <p:txBody>
+          <a:bodyPr vert="horz" wrap="square" lIns="91440" tIns="45720" rIns="91440" bIns="45720" numCol="1" anchor="t" anchorCtr="0" compatLnSpc="1"/>
+          <a:lstStyle/>
+          <a:p>
+            <a:endParaRPr lang="zh-CN" altLang="en-US">
+              <a:solidFill>
+                <a:srgbClr val="000000"/>
+              </a:solidFill>
+              <a:latin typeface="Microsoft YaHei" panose="020B0503020204020204" pitchFamily="34" charset="-122"/>
+              <a:ea typeface="Microsoft YaHei" panose="020B0503020204020204" pitchFamily="34" charset="-122"/>
+              <a:sym typeface="Microsoft YaHei" panose="020B0503020204020204" pitchFamily="34" charset="-122"/>
+            </a:endParaRPr>
+          </a:p>
+        </p:txBody>
+      </p:sp>
+      <p:sp>
+        <p:nvSpPr>
+          <p:cNvPr id="3" name="矩形 2">
+            <a:extLst>
+              <a:ext uri="{FF2B5EF4-FFF2-40B4-BE49-F238E27FC236}">
+                <a16:creationId xmlns:a16="http://schemas.microsoft.com/office/drawing/2014/main" id="{E4E0767F-3F9F-46DE-9342-E551591E6684}"/>
+              </a:ext>
+            </a:extLst>
+          </p:cNvPr>
+          <p:cNvSpPr/>
+          <p:nvPr/>
+        </p:nvSpPr>
+        <p:spPr>
+          <a:xfrm>
+            <a:off x="8988153" y="251839"/>
+            <a:ext cx="2159374" cy="523220"/>
+          </a:xfrm>
+          <a:prstGeom prst="rect">
+            <a:avLst/>
+          </a:prstGeom>
+        </p:spPr>
+        <p:txBody>
+          <a:bodyPr wrap="none">
+            <a:spAutoFit/>
+          </a:bodyPr>
+          <a:lstStyle/>
+          <a:p>
+            <a:r>
+              <a:rPr lang="fr-CA" altLang="zh-CN" sz="2800" b="1" dirty="0">
+                <a:solidFill>
+                  <a:schemeClr val="tx1">
+                    <a:lumMod val="75000"/>
+                    <a:lumOff val="25000"/>
+                  </a:schemeClr>
+                </a:solidFill>
+                <a:latin typeface="Microsoft YaHei" panose="020B0503020204020204" pitchFamily="34" charset="-122"/>
+                <a:ea typeface="Microsoft YaHei" panose="020B0503020204020204" pitchFamily="34" charset="-122"/>
+                <a:sym typeface="Microsoft YaHei" panose="020B0503020204020204" pitchFamily="34" charset="-122"/>
+              </a:rPr>
+              <a:t>Réalisation</a:t>
+            </a:r>
+            <a:endParaRPr lang="zh-CN" altLang="en-US" sz="2800" b="1" dirty="0">
+              <a:solidFill>
+                <a:schemeClr val="tx1">
+                  <a:lumMod val="75000"/>
+                  <a:lumOff val="25000"/>
+                </a:schemeClr>
+              </a:solidFill>
+              <a:latin typeface="Microsoft YaHei" panose="020B0503020204020204" pitchFamily="34" charset="-122"/>
+              <a:ea typeface="Microsoft YaHei" panose="020B0503020204020204" pitchFamily="34" charset="-122"/>
+              <a:sym typeface="Microsoft YaHei" panose="020B0503020204020204" pitchFamily="34" charset="-122"/>
+            </a:endParaRPr>
+          </a:p>
+        </p:txBody>
+      </p:sp>
+      <p:grpSp>
+        <p:nvGrpSpPr>
+          <p:cNvPr id="4" name="组合 3">
+            <a:extLst>
+              <a:ext uri="{FF2B5EF4-FFF2-40B4-BE49-F238E27FC236}">
+                <a16:creationId xmlns:a16="http://schemas.microsoft.com/office/drawing/2014/main" id="{F7635991-F5C2-4322-BDE0-34C7012EBA5C}"/>
+              </a:ext>
+            </a:extLst>
+          </p:cNvPr>
+          <p:cNvGrpSpPr/>
+          <p:nvPr/>
+        </p:nvGrpSpPr>
+        <p:grpSpPr>
+          <a:xfrm>
+            <a:off x="0" y="0"/>
+            <a:ext cx="2124908" cy="6858000"/>
+            <a:chOff x="1" y="0"/>
+            <a:chExt cx="1596464" cy="6858000"/>
+          </a:xfrm>
+          <a:solidFill>
+            <a:srgbClr val="0F3C89"/>
+          </a:solidFill>
+        </p:grpSpPr>
+        <p:sp>
+          <p:nvSpPr>
+            <p:cNvPr id="5" name="文本框 4">
+              <a:extLst>
+                <a:ext uri="{FF2B5EF4-FFF2-40B4-BE49-F238E27FC236}">
+                  <a16:creationId xmlns:a16="http://schemas.microsoft.com/office/drawing/2014/main" id="{EF1391B4-4CDA-43F0-A44E-1EDC8387A3D3}"/>
+                </a:ext>
+              </a:extLst>
+            </p:cNvPr>
+            <p:cNvSpPr txBox="1"/>
+            <p:nvPr/>
+          </p:nvSpPr>
+          <p:spPr>
+            <a:xfrm>
+              <a:off x="1" y="0"/>
+              <a:ext cx="1460935" cy="6858000"/>
+            </a:xfrm>
+            <a:prstGeom prst="rect">
+              <a:avLst/>
+            </a:prstGeom>
+            <a:grpFill/>
+          </p:spPr>
+          <p:txBody>
+            <a:bodyPr wrap="square" rtlCol="0">
+              <a:spAutoFit/>
+            </a:bodyPr>
+            <a:lstStyle/>
+            <a:p>
+              <a:endParaRPr lang="zh-CN" altLang="en-US" dirty="0"/>
+            </a:p>
+          </p:txBody>
+        </p:sp>
+        <p:sp>
+          <p:nvSpPr>
+            <p:cNvPr id="6" name="等腰三角形 5">
+              <a:extLst>
+                <a:ext uri="{FF2B5EF4-FFF2-40B4-BE49-F238E27FC236}">
+                  <a16:creationId xmlns:a16="http://schemas.microsoft.com/office/drawing/2014/main" id="{C2CC2C19-4F2C-434F-B66C-6616E1C2AF44}"/>
+                </a:ext>
+              </a:extLst>
+            </p:cNvPr>
+            <p:cNvSpPr/>
+            <p:nvPr/>
+          </p:nvSpPr>
+          <p:spPr>
+            <a:xfrm rot="5400000">
+              <a:off x="1371991" y="1996303"/>
+              <a:ext cx="303532" cy="145416"/>
+            </a:xfrm>
+            <a:prstGeom prst="triangle">
+              <a:avLst/>
+            </a:prstGeom>
+            <a:grpFill/>
+            <a:ln>
+              <a:noFill/>
+            </a:ln>
+          </p:spPr>
+          <p:style>
+            <a:lnRef idx="2">
+              <a:schemeClr val="accent1">
+                <a:shade val="50000"/>
+              </a:schemeClr>
+            </a:lnRef>
+            <a:fillRef idx="1">
+              <a:schemeClr val="accent1"/>
+            </a:fillRef>
+            <a:effectRef idx="0">
+              <a:schemeClr val="accent1"/>
+            </a:effectRef>
+            <a:fontRef idx="minor">
+              <a:schemeClr val="lt1"/>
+            </a:fontRef>
+          </p:style>
+          <p:txBody>
+            <a:bodyPr rtlCol="0" anchor="ctr"/>
+            <a:lstStyle/>
+            <a:p>
+              <a:pPr algn="ctr"/>
+              <a:endParaRPr lang="zh-CN" altLang="en-US"/>
+            </a:p>
+          </p:txBody>
+        </p:sp>
+      </p:grpSp>
+      <p:sp>
+        <p:nvSpPr>
+          <p:cNvPr id="7" name="文本框 6">
+            <a:extLst>
+              <a:ext uri="{FF2B5EF4-FFF2-40B4-BE49-F238E27FC236}">
+                <a16:creationId xmlns:a16="http://schemas.microsoft.com/office/drawing/2014/main" id="{F5F92B4A-ED03-4FAD-9618-8CEE5658093E}"/>
+              </a:ext>
+            </a:extLst>
+          </p:cNvPr>
+          <p:cNvSpPr txBox="1">
+            <a:spLocks/>
+          </p:cNvSpPr>
+          <p:nvPr/>
+        </p:nvSpPr>
+        <p:spPr>
+          <a:xfrm>
+            <a:off x="34732" y="1052653"/>
+            <a:ext cx="2156145" cy="400110"/>
+          </a:xfrm>
+          <a:prstGeom prst="rect">
+            <a:avLst/>
+          </a:prstGeom>
+          <a:noFill/>
+        </p:spPr>
+        <p:txBody>
+          <a:bodyPr wrap="square" rtlCol="0">
+            <a:spAutoFit/>
+          </a:bodyPr>
+          <a:lstStyle>
+            <a:defPPr>
+              <a:defRPr lang="zh-CN"/>
+            </a:defPPr>
+            <a:lvl1pPr>
+              <a:defRPr sz="2000">
+                <a:solidFill>
+                  <a:schemeClr val="bg1">
+                    <a:alpha val="50000"/>
+                  </a:schemeClr>
+                </a:solidFill>
+                <a:latin typeface="微软雅黑" panose="020B0503020204020204" pitchFamily="34" charset="-122"/>
+                <a:ea typeface="微软雅黑" panose="020B0503020204020204" pitchFamily="34" charset="-122"/>
+              </a:defRPr>
+            </a:lvl1pPr>
+          </a:lstStyle>
+          <a:p>
+            <a:r>
+              <a:rPr lang="fr-FR" altLang="zh-CN" dirty="0"/>
+              <a:t>Problématique</a:t>
+            </a:r>
+          </a:p>
+        </p:txBody>
+      </p:sp>
+      <p:sp>
+        <p:nvSpPr>
+          <p:cNvPr id="8" name="文本框 7">
+            <a:extLst>
+              <a:ext uri="{FF2B5EF4-FFF2-40B4-BE49-F238E27FC236}">
+                <a16:creationId xmlns:a16="http://schemas.microsoft.com/office/drawing/2014/main" id="{A251A06C-FD8F-471A-90E9-15DCC9B81462}"/>
+              </a:ext>
+            </a:extLst>
+          </p:cNvPr>
+          <p:cNvSpPr txBox="1">
+            <a:spLocks/>
+          </p:cNvSpPr>
+          <p:nvPr/>
+        </p:nvSpPr>
+        <p:spPr>
+          <a:xfrm>
+            <a:off x="34731" y="1839037"/>
+            <a:ext cx="1135247" cy="400110"/>
+          </a:xfrm>
+          <a:prstGeom prst="rect">
+            <a:avLst/>
+          </a:prstGeom>
+          <a:noFill/>
+        </p:spPr>
+        <p:txBody>
+          <a:bodyPr wrap="square" rtlCol="0">
+            <a:spAutoFit/>
+          </a:bodyPr>
+          <a:lstStyle>
+            <a:defPPr>
+              <a:defRPr lang="zh-CN"/>
+            </a:defPPr>
+            <a:lvl1pPr>
+              <a:defRPr sz="2000">
+                <a:solidFill>
+                  <a:schemeClr val="bg1">
+                    <a:alpha val="50000"/>
+                  </a:schemeClr>
+                </a:solidFill>
+                <a:latin typeface="微软雅黑" panose="020B0503020204020204" pitchFamily="34" charset="-122"/>
+                <a:ea typeface="微软雅黑" panose="020B0503020204020204" pitchFamily="34" charset="-122"/>
+              </a:defRPr>
+            </a:lvl1pPr>
+          </a:lstStyle>
+          <a:p>
+            <a:r>
+              <a:rPr lang="fr-CA" altLang="zh-CN" dirty="0"/>
+              <a:t>Analyse</a:t>
+            </a:r>
+            <a:endParaRPr lang="zh-CN" altLang="en-US" dirty="0"/>
+          </a:p>
+        </p:txBody>
+      </p:sp>
+      <p:sp>
+        <p:nvSpPr>
+          <p:cNvPr id="9" name="文本框 8">
+            <a:extLst>
+              <a:ext uri="{FF2B5EF4-FFF2-40B4-BE49-F238E27FC236}">
+                <a16:creationId xmlns:a16="http://schemas.microsoft.com/office/drawing/2014/main" id="{B7D94083-FB26-4128-83AA-9F8472B92C76}"/>
+              </a:ext>
+            </a:extLst>
+          </p:cNvPr>
+          <p:cNvSpPr txBox="1">
+            <a:spLocks/>
+          </p:cNvSpPr>
+          <p:nvPr/>
+        </p:nvSpPr>
+        <p:spPr>
+          <a:xfrm>
+            <a:off x="34731" y="2625421"/>
+            <a:ext cx="1536317" cy="400110"/>
+          </a:xfrm>
+          <a:prstGeom prst="rect">
+            <a:avLst/>
+          </a:prstGeom>
+          <a:noFill/>
+        </p:spPr>
+        <p:txBody>
+          <a:bodyPr wrap="square" rtlCol="0">
+            <a:spAutoFit/>
+          </a:bodyPr>
+          <a:lstStyle>
+            <a:defPPr>
+              <a:defRPr lang="zh-CN"/>
+            </a:defPPr>
+            <a:lvl1pPr>
+              <a:defRPr sz="2000">
+                <a:solidFill>
+                  <a:schemeClr val="bg1"/>
+                </a:solidFill>
+                <a:latin typeface="微软雅黑" panose="020B0503020204020204" pitchFamily="34" charset="-122"/>
+                <a:ea typeface="微软雅黑" panose="020B0503020204020204" pitchFamily="34" charset="-122"/>
+              </a:defRPr>
+            </a:lvl1pPr>
+          </a:lstStyle>
+          <a:p>
+            <a:r>
+              <a:rPr lang="fr-CA" altLang="zh-CN" dirty="0"/>
+              <a:t>Réalisation</a:t>
+            </a:r>
+            <a:endParaRPr lang="zh-CN" altLang="en-US" dirty="0"/>
+          </a:p>
+        </p:txBody>
+      </p:sp>
+      <p:sp>
+        <p:nvSpPr>
+          <p:cNvPr id="10" name="文本框 9">
+            <a:extLst>
+              <a:ext uri="{FF2B5EF4-FFF2-40B4-BE49-F238E27FC236}">
+                <a16:creationId xmlns:a16="http://schemas.microsoft.com/office/drawing/2014/main" id="{E8C01AA5-0BBA-4FAB-9E90-242632CB1E0E}"/>
+              </a:ext>
+            </a:extLst>
+          </p:cNvPr>
+          <p:cNvSpPr txBox="1">
+            <a:spLocks/>
+          </p:cNvSpPr>
+          <p:nvPr/>
+        </p:nvSpPr>
+        <p:spPr>
+          <a:xfrm>
+            <a:off x="34731" y="3411805"/>
+            <a:ext cx="1894003" cy="400110"/>
+          </a:xfrm>
+          <a:prstGeom prst="rect">
+            <a:avLst/>
+          </a:prstGeom>
+          <a:noFill/>
+        </p:spPr>
+        <p:txBody>
+          <a:bodyPr wrap="square" rtlCol="0">
+            <a:spAutoFit/>
+          </a:bodyPr>
+          <a:lstStyle/>
+          <a:p>
+            <a:r>
+              <a:rPr lang="fr-CA" altLang="zh-CN" sz="2000" dirty="0">
+                <a:solidFill>
+                  <a:schemeClr val="bg1">
+                    <a:alpha val="50000"/>
+                  </a:schemeClr>
+                </a:solidFill>
+                <a:latin typeface="微软雅黑" panose="020B0503020204020204" pitchFamily="34" charset="-122"/>
+                <a:ea typeface="微软雅黑" panose="020B0503020204020204" pitchFamily="34" charset="-122"/>
+              </a:rPr>
+              <a:t>Amélioration</a:t>
+            </a:r>
+            <a:endParaRPr lang="zh-CN" altLang="en-US" sz="2000" dirty="0">
+              <a:solidFill>
+                <a:schemeClr val="bg1">
+                  <a:alpha val="50000"/>
+                </a:schemeClr>
+              </a:solidFill>
+              <a:latin typeface="微软雅黑" panose="020B0503020204020204" pitchFamily="34" charset="-122"/>
+              <a:ea typeface="微软雅黑" panose="020B0503020204020204" pitchFamily="34" charset="-122"/>
+            </a:endParaRPr>
+          </a:p>
+        </p:txBody>
+      </p:sp>
       <p:sp>
         <p:nvSpPr>
           <p:cNvPr id="23" name="文本框 22">
@@ -23487,7 +26375,7 @@
 </p:sld>
 </file>
 
-<file path=ppt/slides/slide8.xml><?xml version="1.0" encoding="utf-8"?>
+<file path=ppt/slides/slide9.xml><?xml version="1.0" encoding="utf-8"?>
 <p:sld xmlns:a="http://schemas.openxmlformats.org/drawingml/2006/main" xmlns:r="http://schemas.openxmlformats.org/officeDocument/2006/relationships" xmlns:p="http://schemas.openxmlformats.org/presentationml/2006/main">
   <p:cSld>
     <p:spTree>
@@ -24693,1224 +27581,6 @@
     <p:extLst>
       <p:ext uri="{BB962C8B-B14F-4D97-AF65-F5344CB8AC3E}">
         <p14:creationId xmlns:p14="http://schemas.microsoft.com/office/powerpoint/2010/main" val="1157913432"/>
-      </p:ext>
-    </p:extLst>
-  </p:cSld>
-  <p:clrMapOvr>
-    <a:masterClrMapping/>
-  </p:clrMapOvr>
-  <p:transition>
-    <p:fade/>
-  </p:transition>
-</p:sld>
-</file>
-
-<file path=ppt/slides/slide9.xml><?xml version="1.0" encoding="utf-8"?>
-<p:sld xmlns:a="http://schemas.openxmlformats.org/drawingml/2006/main" xmlns:r="http://schemas.openxmlformats.org/officeDocument/2006/relationships" xmlns:p="http://schemas.openxmlformats.org/presentationml/2006/main">
-  <p:cSld>
-    <p:spTree>
-      <p:nvGrpSpPr>
-        <p:cNvPr id="1" name=""/>
-        <p:cNvGrpSpPr/>
-        <p:nvPr/>
-      </p:nvGrpSpPr>
-      <p:grpSpPr>
-        <a:xfrm>
-          <a:off x="0" y="0"/>
-          <a:ext cx="0" cy="0"/>
-          <a:chOff x="0" y="0"/>
-          <a:chExt cx="0" cy="0"/>
-        </a:xfrm>
-      </p:grpSpPr>
-      <p:sp>
-        <p:nvSpPr>
-          <p:cNvPr id="2" name="Freeform 5">
-            <a:extLst>
-              <a:ext uri="{FF2B5EF4-FFF2-40B4-BE49-F238E27FC236}">
-                <a16:creationId xmlns:a16="http://schemas.microsoft.com/office/drawing/2014/main" id="{22EDC1DD-73FB-4204-B76B-323FDB5F93A1}"/>
-              </a:ext>
-            </a:extLst>
-          </p:cNvPr>
-          <p:cNvSpPr>
-            <a:spLocks noEditPoints="1"/>
-          </p:cNvSpPr>
-          <p:nvPr/>
-        </p:nvSpPr>
-        <p:spPr bwMode="auto">
-          <a:xfrm>
-            <a:off x="11088652" y="255806"/>
-            <a:ext cx="684247" cy="637812"/>
-          </a:xfrm>
-          <a:custGeom>
-            <a:avLst/>
-            <a:gdLst>
-              <a:gd name="T0" fmla="*/ 400 w 528"/>
-              <a:gd name="T1" fmla="*/ 293 h 471"/>
-              <a:gd name="T2" fmla="*/ 430 w 528"/>
-              <a:gd name="T3" fmla="*/ 279 h 471"/>
-              <a:gd name="T4" fmla="*/ 430 w 528"/>
-              <a:gd name="T5" fmla="*/ 278 h 471"/>
-              <a:gd name="T6" fmla="*/ 430 w 528"/>
-              <a:gd name="T7" fmla="*/ 204 h 471"/>
-              <a:gd name="T8" fmla="*/ 401 w 528"/>
-              <a:gd name="T9" fmla="*/ 218 h 471"/>
-              <a:gd name="T10" fmla="*/ 400 w 528"/>
-              <a:gd name="T11" fmla="*/ 293 h 471"/>
-              <a:gd name="T12" fmla="*/ 90 w 528"/>
-              <a:gd name="T13" fmla="*/ 204 h 471"/>
-              <a:gd name="T14" fmla="*/ 90 w 528"/>
-              <a:gd name="T15" fmla="*/ 279 h 471"/>
-              <a:gd name="T16" fmla="*/ 248 w 528"/>
-              <a:gd name="T17" fmla="*/ 354 h 471"/>
-              <a:gd name="T18" fmla="*/ 274 w 528"/>
-              <a:gd name="T19" fmla="*/ 354 h 471"/>
-              <a:gd name="T20" fmla="*/ 371 w 528"/>
-              <a:gd name="T21" fmla="*/ 307 h 471"/>
-              <a:gd name="T22" fmla="*/ 371 w 528"/>
-              <a:gd name="T23" fmla="*/ 232 h 471"/>
-              <a:gd name="T24" fmla="*/ 260 w 528"/>
-              <a:gd name="T25" fmla="*/ 286 h 471"/>
-              <a:gd name="T26" fmla="*/ 90 w 528"/>
-              <a:gd name="T27" fmla="*/ 204 h 471"/>
-              <a:gd name="T28" fmla="*/ 394 w 528"/>
-              <a:gd name="T29" fmla="*/ 197 h 471"/>
-              <a:gd name="T30" fmla="*/ 391 w 528"/>
-              <a:gd name="T31" fmla="*/ 196 h 471"/>
-              <a:gd name="T32" fmla="*/ 287 w 528"/>
-              <a:gd name="T33" fmla="*/ 139 h 471"/>
-              <a:gd name="T34" fmla="*/ 288 w 528"/>
-              <a:gd name="T35" fmla="*/ 132 h 471"/>
-              <a:gd name="T36" fmla="*/ 264 w 528"/>
-              <a:gd name="T37" fmla="*/ 108 h 471"/>
-              <a:gd name="T38" fmla="*/ 240 w 528"/>
-              <a:gd name="T39" fmla="*/ 132 h 471"/>
-              <a:gd name="T40" fmla="*/ 264 w 528"/>
-              <a:gd name="T41" fmla="*/ 156 h 471"/>
-              <a:gd name="T42" fmla="*/ 281 w 528"/>
-              <a:gd name="T43" fmla="*/ 150 h 471"/>
-              <a:gd name="T44" fmla="*/ 383 w 528"/>
-              <a:gd name="T45" fmla="*/ 207 h 471"/>
-              <a:gd name="T46" fmla="*/ 394 w 528"/>
-              <a:gd name="T47" fmla="*/ 197 h 471"/>
-              <a:gd name="T48" fmla="*/ 528 w 528"/>
-              <a:gd name="T49" fmla="*/ 132 h 471"/>
-              <a:gd name="T50" fmla="*/ 260 w 528"/>
-              <a:gd name="T51" fmla="*/ 0 h 471"/>
-              <a:gd name="T52" fmla="*/ 0 w 528"/>
-              <a:gd name="T53" fmla="*/ 126 h 471"/>
-              <a:gd name="T54" fmla="*/ 0 w 528"/>
-              <a:gd name="T55" fmla="*/ 137 h 471"/>
-              <a:gd name="T56" fmla="*/ 260 w 528"/>
-              <a:gd name="T57" fmla="*/ 263 h 471"/>
-              <a:gd name="T58" fmla="*/ 371 w 528"/>
-              <a:gd name="T59" fmla="*/ 209 h 471"/>
-              <a:gd name="T60" fmla="*/ 371 w 528"/>
-              <a:gd name="T61" fmla="*/ 205 h 471"/>
-              <a:gd name="T62" fmla="*/ 281 w 528"/>
-              <a:gd name="T63" fmla="*/ 158 h 471"/>
-              <a:gd name="T64" fmla="*/ 264 w 528"/>
-              <a:gd name="T65" fmla="*/ 163 h 471"/>
-              <a:gd name="T66" fmla="*/ 233 w 528"/>
-              <a:gd name="T67" fmla="*/ 132 h 471"/>
-              <a:gd name="T68" fmla="*/ 264 w 528"/>
-              <a:gd name="T69" fmla="*/ 100 h 471"/>
-              <a:gd name="T70" fmla="*/ 295 w 528"/>
-              <a:gd name="T71" fmla="*/ 132 h 471"/>
-              <a:gd name="T72" fmla="*/ 295 w 528"/>
-              <a:gd name="T73" fmla="*/ 135 h 471"/>
-              <a:gd name="T74" fmla="*/ 401 w 528"/>
-              <a:gd name="T75" fmla="*/ 194 h 471"/>
-              <a:gd name="T76" fmla="*/ 528 w 528"/>
-              <a:gd name="T77" fmla="*/ 132 h 471"/>
-              <a:gd name="T78" fmla="*/ 394 w 528"/>
-              <a:gd name="T79" fmla="*/ 197 h 471"/>
-              <a:gd name="T80" fmla="*/ 395 w 528"/>
-              <a:gd name="T81" fmla="*/ 293 h 471"/>
-              <a:gd name="T82" fmla="*/ 404 w 528"/>
-              <a:gd name="T83" fmla="*/ 307 h 471"/>
-              <a:gd name="T84" fmla="*/ 396 w 528"/>
-              <a:gd name="T85" fmla="*/ 320 h 471"/>
-              <a:gd name="T86" fmla="*/ 403 w 528"/>
-              <a:gd name="T87" fmla="*/ 320 h 471"/>
-              <a:gd name="T88" fmla="*/ 416 w 528"/>
-              <a:gd name="T89" fmla="*/ 471 h 471"/>
-              <a:gd name="T90" fmla="*/ 364 w 528"/>
-              <a:gd name="T91" fmla="*/ 471 h 471"/>
-              <a:gd name="T92" fmla="*/ 377 w 528"/>
-              <a:gd name="T93" fmla="*/ 320 h 471"/>
-              <a:gd name="T94" fmla="*/ 384 w 528"/>
-              <a:gd name="T95" fmla="*/ 320 h 471"/>
-              <a:gd name="T96" fmla="*/ 376 w 528"/>
-              <a:gd name="T97" fmla="*/ 307 h 471"/>
-              <a:gd name="T98" fmla="*/ 384 w 528"/>
-              <a:gd name="T99" fmla="*/ 293 h 471"/>
-              <a:gd name="T100" fmla="*/ 383 w 528"/>
-              <a:gd name="T101" fmla="*/ 207 h 471"/>
-              <a:gd name="T102" fmla="*/ 394 w 528"/>
-              <a:gd name="T103" fmla="*/ 197 h 471"/>
-            </a:gdLst>
-            <a:ahLst/>
-            <a:cxnLst>
-              <a:cxn ang="0">
-                <a:pos x="T0" y="T1"/>
-              </a:cxn>
-              <a:cxn ang="0">
-                <a:pos x="T2" y="T3"/>
-              </a:cxn>
-              <a:cxn ang="0">
-                <a:pos x="T4" y="T5"/>
-              </a:cxn>
-              <a:cxn ang="0">
-                <a:pos x="T6" y="T7"/>
-              </a:cxn>
-              <a:cxn ang="0">
-                <a:pos x="T8" y="T9"/>
-              </a:cxn>
-              <a:cxn ang="0">
-                <a:pos x="T10" y="T11"/>
-              </a:cxn>
-              <a:cxn ang="0">
-                <a:pos x="T12" y="T13"/>
-              </a:cxn>
-              <a:cxn ang="0">
-                <a:pos x="T14" y="T15"/>
-              </a:cxn>
-              <a:cxn ang="0">
-                <a:pos x="T16" y="T17"/>
-              </a:cxn>
-              <a:cxn ang="0">
-                <a:pos x="T18" y="T19"/>
-              </a:cxn>
-              <a:cxn ang="0">
-                <a:pos x="T20" y="T21"/>
-              </a:cxn>
-              <a:cxn ang="0">
-                <a:pos x="T22" y="T23"/>
-              </a:cxn>
-              <a:cxn ang="0">
-                <a:pos x="T24" y="T25"/>
-              </a:cxn>
-              <a:cxn ang="0">
-                <a:pos x="T26" y="T27"/>
-              </a:cxn>
-              <a:cxn ang="0">
-                <a:pos x="T28" y="T29"/>
-              </a:cxn>
-              <a:cxn ang="0">
-                <a:pos x="T30" y="T31"/>
-              </a:cxn>
-              <a:cxn ang="0">
-                <a:pos x="T32" y="T33"/>
-              </a:cxn>
-              <a:cxn ang="0">
-                <a:pos x="T34" y="T35"/>
-              </a:cxn>
-              <a:cxn ang="0">
-                <a:pos x="T36" y="T37"/>
-              </a:cxn>
-              <a:cxn ang="0">
-                <a:pos x="T38" y="T39"/>
-              </a:cxn>
-              <a:cxn ang="0">
-                <a:pos x="T40" y="T41"/>
-              </a:cxn>
-              <a:cxn ang="0">
-                <a:pos x="T42" y="T43"/>
-              </a:cxn>
-              <a:cxn ang="0">
-                <a:pos x="T44" y="T45"/>
-              </a:cxn>
-              <a:cxn ang="0">
-                <a:pos x="T46" y="T47"/>
-              </a:cxn>
-              <a:cxn ang="0">
-                <a:pos x="T48" y="T49"/>
-              </a:cxn>
-              <a:cxn ang="0">
-                <a:pos x="T50" y="T51"/>
-              </a:cxn>
-              <a:cxn ang="0">
-                <a:pos x="T52" y="T53"/>
-              </a:cxn>
-              <a:cxn ang="0">
-                <a:pos x="T54" y="T55"/>
-              </a:cxn>
-              <a:cxn ang="0">
-                <a:pos x="T56" y="T57"/>
-              </a:cxn>
-              <a:cxn ang="0">
-                <a:pos x="T58" y="T59"/>
-              </a:cxn>
-              <a:cxn ang="0">
-                <a:pos x="T60" y="T61"/>
-              </a:cxn>
-              <a:cxn ang="0">
-                <a:pos x="T62" y="T63"/>
-              </a:cxn>
-              <a:cxn ang="0">
-                <a:pos x="T64" y="T65"/>
-              </a:cxn>
-              <a:cxn ang="0">
-                <a:pos x="T66" y="T67"/>
-              </a:cxn>
-              <a:cxn ang="0">
-                <a:pos x="T68" y="T69"/>
-              </a:cxn>
-              <a:cxn ang="0">
-                <a:pos x="T70" y="T71"/>
-              </a:cxn>
-              <a:cxn ang="0">
-                <a:pos x="T72" y="T73"/>
-              </a:cxn>
-              <a:cxn ang="0">
-                <a:pos x="T74" y="T75"/>
-              </a:cxn>
-              <a:cxn ang="0">
-                <a:pos x="T76" y="T77"/>
-              </a:cxn>
-              <a:cxn ang="0">
-                <a:pos x="T78" y="T79"/>
-              </a:cxn>
-              <a:cxn ang="0">
-                <a:pos x="T80" y="T81"/>
-              </a:cxn>
-              <a:cxn ang="0">
-                <a:pos x="T82" y="T83"/>
-              </a:cxn>
-              <a:cxn ang="0">
-                <a:pos x="T84" y="T85"/>
-              </a:cxn>
-              <a:cxn ang="0">
-                <a:pos x="T86" y="T87"/>
-              </a:cxn>
-              <a:cxn ang="0">
-                <a:pos x="T88" y="T89"/>
-              </a:cxn>
-              <a:cxn ang="0">
-                <a:pos x="T90" y="T91"/>
-              </a:cxn>
-              <a:cxn ang="0">
-                <a:pos x="T92" y="T93"/>
-              </a:cxn>
-              <a:cxn ang="0">
-                <a:pos x="T94" y="T95"/>
-              </a:cxn>
-              <a:cxn ang="0">
-                <a:pos x="T96" y="T97"/>
-              </a:cxn>
-              <a:cxn ang="0">
-                <a:pos x="T98" y="T99"/>
-              </a:cxn>
-              <a:cxn ang="0">
-                <a:pos x="T100" y="T101"/>
-              </a:cxn>
-              <a:cxn ang="0">
-                <a:pos x="T102" y="T103"/>
-              </a:cxn>
-            </a:cxnLst>
-            <a:rect l="0" t="0" r="r" b="b"/>
-            <a:pathLst>
-              <a:path w="528" h="471">
-                <a:moveTo>
-                  <a:pt x="400" y="293"/>
-                </a:moveTo>
-                <a:cubicBezTo>
-                  <a:pt x="430" y="279"/>
-                  <a:pt x="430" y="279"/>
-                  <a:pt x="430" y="279"/>
-                </a:cubicBezTo>
-                <a:cubicBezTo>
-                  <a:pt x="430" y="279"/>
-                  <a:pt x="430" y="278"/>
-                  <a:pt x="430" y="278"/>
-                </a:cubicBezTo>
-                <a:cubicBezTo>
-                  <a:pt x="430" y="204"/>
-                  <a:pt x="430" y="204"/>
-                  <a:pt x="430" y="204"/>
-                </a:cubicBezTo>
-                <a:cubicBezTo>
-                  <a:pt x="401" y="218"/>
-                  <a:pt x="401" y="218"/>
-                  <a:pt x="401" y="218"/>
-                </a:cubicBezTo>
-                <a:cubicBezTo>
-                  <a:pt x="400" y="293"/>
-                  <a:pt x="400" y="293"/>
-                  <a:pt x="400" y="293"/>
-                </a:cubicBezTo>
-                <a:close/>
-                <a:moveTo>
-                  <a:pt x="90" y="204"/>
-                </a:moveTo>
-                <a:cubicBezTo>
-                  <a:pt x="90" y="279"/>
-                  <a:pt x="90" y="279"/>
-                  <a:pt x="90" y="279"/>
-                </a:cubicBezTo>
-                <a:cubicBezTo>
-                  <a:pt x="143" y="304"/>
-                  <a:pt x="195" y="329"/>
-                  <a:pt x="248" y="354"/>
-                </a:cubicBezTo>
-                <a:cubicBezTo>
-                  <a:pt x="257" y="357"/>
-                  <a:pt x="265" y="357"/>
-                  <a:pt x="274" y="354"/>
-                </a:cubicBezTo>
-                <a:cubicBezTo>
-                  <a:pt x="371" y="307"/>
-                  <a:pt x="371" y="307"/>
-                  <a:pt x="371" y="307"/>
-                </a:cubicBezTo>
-                <a:cubicBezTo>
-                  <a:pt x="371" y="232"/>
-                  <a:pt x="371" y="232"/>
-                  <a:pt x="371" y="232"/>
-                </a:cubicBezTo>
-                <a:cubicBezTo>
-                  <a:pt x="260" y="286"/>
-                  <a:pt x="260" y="286"/>
-                  <a:pt x="260" y="286"/>
-                </a:cubicBezTo>
-                <a:cubicBezTo>
-                  <a:pt x="90" y="204"/>
-                  <a:pt x="90" y="204"/>
-                  <a:pt x="90" y="204"/>
-                </a:cubicBezTo>
-                <a:close/>
-                <a:moveTo>
-                  <a:pt x="394" y="197"/>
-                </a:moveTo>
-                <a:cubicBezTo>
-                  <a:pt x="391" y="196"/>
-                  <a:pt x="391" y="196"/>
-                  <a:pt x="391" y="196"/>
-                </a:cubicBezTo>
-                <a:cubicBezTo>
-                  <a:pt x="287" y="139"/>
-                  <a:pt x="287" y="139"/>
-                  <a:pt x="287" y="139"/>
-                </a:cubicBezTo>
-                <a:cubicBezTo>
-                  <a:pt x="288" y="136"/>
-                  <a:pt x="288" y="134"/>
-                  <a:pt x="288" y="132"/>
-                </a:cubicBezTo>
-                <a:cubicBezTo>
-                  <a:pt x="288" y="118"/>
-                  <a:pt x="277" y="108"/>
-                  <a:pt x="264" y="108"/>
-                </a:cubicBezTo>
-                <a:cubicBezTo>
-                  <a:pt x="251" y="108"/>
-                  <a:pt x="240" y="118"/>
-                  <a:pt x="240" y="132"/>
-                </a:cubicBezTo>
-                <a:cubicBezTo>
-                  <a:pt x="240" y="145"/>
-                  <a:pt x="251" y="156"/>
-                  <a:pt x="264" y="156"/>
-                </a:cubicBezTo>
-                <a:cubicBezTo>
-                  <a:pt x="270" y="156"/>
-                  <a:pt x="276" y="154"/>
-                  <a:pt x="281" y="150"/>
-                </a:cubicBezTo>
-                <a:cubicBezTo>
-                  <a:pt x="383" y="207"/>
-                  <a:pt x="383" y="207"/>
-                  <a:pt x="383" y="207"/>
-                </a:cubicBezTo>
-                <a:cubicBezTo>
-                  <a:pt x="394" y="197"/>
-                  <a:pt x="394" y="197"/>
-                  <a:pt x="394" y="197"/>
-                </a:cubicBezTo>
-                <a:close/>
-                <a:moveTo>
-                  <a:pt x="528" y="132"/>
-                </a:moveTo>
-                <a:cubicBezTo>
-                  <a:pt x="260" y="0"/>
-                  <a:pt x="260" y="0"/>
-                  <a:pt x="260" y="0"/>
-                </a:cubicBezTo>
-                <a:cubicBezTo>
-                  <a:pt x="0" y="126"/>
-                  <a:pt x="0" y="126"/>
-                  <a:pt x="0" y="126"/>
-                </a:cubicBezTo>
-                <a:cubicBezTo>
-                  <a:pt x="0" y="137"/>
-                  <a:pt x="0" y="137"/>
-                  <a:pt x="0" y="137"/>
-                </a:cubicBezTo>
-                <a:cubicBezTo>
-                  <a:pt x="260" y="263"/>
-                  <a:pt x="260" y="263"/>
-                  <a:pt x="260" y="263"/>
-                </a:cubicBezTo>
-                <a:cubicBezTo>
-                  <a:pt x="371" y="209"/>
-                  <a:pt x="371" y="209"/>
-                  <a:pt x="371" y="209"/>
-                </a:cubicBezTo>
-                <a:cubicBezTo>
-                  <a:pt x="371" y="205"/>
-                  <a:pt x="371" y="205"/>
-                  <a:pt x="371" y="205"/>
-                </a:cubicBezTo>
-                <a:cubicBezTo>
-                  <a:pt x="281" y="158"/>
-                  <a:pt x="281" y="158"/>
-                  <a:pt x="281" y="158"/>
-                </a:cubicBezTo>
-                <a:cubicBezTo>
-                  <a:pt x="276" y="162"/>
-                  <a:pt x="270" y="163"/>
-                  <a:pt x="264" y="163"/>
-                </a:cubicBezTo>
-                <a:cubicBezTo>
-                  <a:pt x="247" y="163"/>
-                  <a:pt x="233" y="149"/>
-                  <a:pt x="233" y="132"/>
-                </a:cubicBezTo>
-                <a:cubicBezTo>
-                  <a:pt x="233" y="114"/>
-                  <a:pt x="247" y="100"/>
-                  <a:pt x="264" y="100"/>
-                </a:cubicBezTo>
-                <a:cubicBezTo>
-                  <a:pt x="281" y="100"/>
-                  <a:pt x="295" y="114"/>
-                  <a:pt x="295" y="132"/>
-                </a:cubicBezTo>
-                <a:cubicBezTo>
-                  <a:pt x="295" y="133"/>
-                  <a:pt x="295" y="134"/>
-                  <a:pt x="295" y="135"/>
-                </a:cubicBezTo>
-                <a:cubicBezTo>
-                  <a:pt x="401" y="194"/>
-                  <a:pt x="401" y="194"/>
-                  <a:pt x="401" y="194"/>
-                </a:cubicBezTo>
-                <a:cubicBezTo>
-                  <a:pt x="528" y="132"/>
-                  <a:pt x="528" y="132"/>
-                  <a:pt x="528" y="132"/>
-                </a:cubicBezTo>
-                <a:close/>
-                <a:moveTo>
-                  <a:pt x="394" y="197"/>
-                </a:moveTo>
-                <a:cubicBezTo>
-                  <a:pt x="395" y="293"/>
-                  <a:pt x="395" y="293"/>
-                  <a:pt x="395" y="293"/>
-                </a:cubicBezTo>
-                <a:cubicBezTo>
-                  <a:pt x="401" y="295"/>
-                  <a:pt x="404" y="300"/>
-                  <a:pt x="404" y="307"/>
-                </a:cubicBezTo>
-                <a:cubicBezTo>
-                  <a:pt x="404" y="312"/>
-                  <a:pt x="401" y="317"/>
-                  <a:pt x="396" y="320"/>
-                </a:cubicBezTo>
-                <a:cubicBezTo>
-                  <a:pt x="403" y="320"/>
-                  <a:pt x="403" y="320"/>
-                  <a:pt x="403" y="320"/>
-                </a:cubicBezTo>
-                <a:cubicBezTo>
-                  <a:pt x="416" y="471"/>
-                  <a:pt x="416" y="471"/>
-                  <a:pt x="416" y="471"/>
-                </a:cubicBezTo>
-                <a:cubicBezTo>
-                  <a:pt x="364" y="471"/>
-                  <a:pt x="364" y="471"/>
-                  <a:pt x="364" y="471"/>
-                </a:cubicBezTo>
-                <a:cubicBezTo>
-                  <a:pt x="377" y="320"/>
-                  <a:pt x="377" y="320"/>
-                  <a:pt x="377" y="320"/>
-                </a:cubicBezTo>
-                <a:cubicBezTo>
-                  <a:pt x="384" y="320"/>
-                  <a:pt x="384" y="320"/>
-                  <a:pt x="384" y="320"/>
-                </a:cubicBezTo>
-                <a:cubicBezTo>
-                  <a:pt x="379" y="317"/>
-                  <a:pt x="376" y="312"/>
-                  <a:pt x="376" y="307"/>
-                </a:cubicBezTo>
-                <a:cubicBezTo>
-                  <a:pt x="376" y="301"/>
-                  <a:pt x="379" y="296"/>
-                  <a:pt x="384" y="293"/>
-                </a:cubicBezTo>
-                <a:cubicBezTo>
-                  <a:pt x="383" y="207"/>
-                  <a:pt x="383" y="207"/>
-                  <a:pt x="383" y="207"/>
-                </a:cubicBezTo>
-                <a:cubicBezTo>
-                  <a:pt x="394" y="197"/>
-                  <a:pt x="394" y="197"/>
-                  <a:pt x="394" y="197"/>
-                </a:cubicBezTo>
-                <a:close/>
-              </a:path>
-            </a:pathLst>
-          </a:custGeom>
-          <a:solidFill>
-            <a:srgbClr val="0F3C89"/>
-          </a:solidFill>
-          <a:ln>
-            <a:noFill/>
-          </a:ln>
-        </p:spPr>
-        <p:txBody>
-          <a:bodyPr vert="horz" wrap="square" lIns="91440" tIns="45720" rIns="91440" bIns="45720" numCol="1" anchor="t" anchorCtr="0" compatLnSpc="1"/>
-          <a:lstStyle/>
-          <a:p>
-            <a:endParaRPr lang="zh-CN" altLang="en-US">
-              <a:solidFill>
-                <a:srgbClr val="000000"/>
-              </a:solidFill>
-              <a:latin typeface="Microsoft YaHei" panose="020B0503020204020204" pitchFamily="34" charset="-122"/>
-              <a:ea typeface="Microsoft YaHei" panose="020B0503020204020204" pitchFamily="34" charset="-122"/>
-              <a:sym typeface="Microsoft YaHei" panose="020B0503020204020204" pitchFamily="34" charset="-122"/>
-            </a:endParaRPr>
-          </a:p>
-        </p:txBody>
-      </p:sp>
-      <p:sp>
-        <p:nvSpPr>
-          <p:cNvPr id="3" name="矩形 2">
-            <a:extLst>
-              <a:ext uri="{FF2B5EF4-FFF2-40B4-BE49-F238E27FC236}">
-                <a16:creationId xmlns:a16="http://schemas.microsoft.com/office/drawing/2014/main" id="{E4E0767F-3F9F-46DE-9342-E551591E6684}"/>
-              </a:ext>
-            </a:extLst>
-          </p:cNvPr>
-          <p:cNvSpPr/>
-          <p:nvPr/>
-        </p:nvSpPr>
-        <p:spPr>
-          <a:xfrm>
-            <a:off x="8988153" y="251839"/>
-            <a:ext cx="2159374" cy="523220"/>
-          </a:xfrm>
-          <a:prstGeom prst="rect">
-            <a:avLst/>
-          </a:prstGeom>
-        </p:spPr>
-        <p:txBody>
-          <a:bodyPr wrap="none">
-            <a:spAutoFit/>
-          </a:bodyPr>
-          <a:lstStyle/>
-          <a:p>
-            <a:r>
-              <a:rPr lang="fr-CA" altLang="zh-CN" sz="2800" b="1" dirty="0">
-                <a:solidFill>
-                  <a:schemeClr val="tx1">
-                    <a:lumMod val="75000"/>
-                    <a:lumOff val="25000"/>
-                  </a:schemeClr>
-                </a:solidFill>
-                <a:latin typeface="Microsoft YaHei" panose="020B0503020204020204" pitchFamily="34" charset="-122"/>
-                <a:ea typeface="Microsoft YaHei" panose="020B0503020204020204" pitchFamily="34" charset="-122"/>
-                <a:sym typeface="Microsoft YaHei" panose="020B0503020204020204" pitchFamily="34" charset="-122"/>
-              </a:rPr>
-              <a:t>Réalisation</a:t>
-            </a:r>
-            <a:endParaRPr lang="zh-CN" altLang="en-US" sz="2800" b="1" dirty="0">
-              <a:solidFill>
-                <a:schemeClr val="tx1">
-                  <a:lumMod val="75000"/>
-                  <a:lumOff val="25000"/>
-                </a:schemeClr>
-              </a:solidFill>
-              <a:latin typeface="Microsoft YaHei" panose="020B0503020204020204" pitchFamily="34" charset="-122"/>
-              <a:ea typeface="Microsoft YaHei" panose="020B0503020204020204" pitchFamily="34" charset="-122"/>
-              <a:sym typeface="Microsoft YaHei" panose="020B0503020204020204" pitchFamily="34" charset="-122"/>
-            </a:endParaRPr>
-          </a:p>
-        </p:txBody>
-      </p:sp>
-      <p:grpSp>
-        <p:nvGrpSpPr>
-          <p:cNvPr id="4" name="组合 3">
-            <a:extLst>
-              <a:ext uri="{FF2B5EF4-FFF2-40B4-BE49-F238E27FC236}">
-                <a16:creationId xmlns:a16="http://schemas.microsoft.com/office/drawing/2014/main" id="{F7635991-F5C2-4322-BDE0-34C7012EBA5C}"/>
-              </a:ext>
-            </a:extLst>
-          </p:cNvPr>
-          <p:cNvGrpSpPr/>
-          <p:nvPr/>
-        </p:nvGrpSpPr>
-        <p:grpSpPr>
-          <a:xfrm>
-            <a:off x="0" y="0"/>
-            <a:ext cx="2124908" cy="6858000"/>
-            <a:chOff x="1" y="0"/>
-            <a:chExt cx="1596464" cy="6858000"/>
-          </a:xfrm>
-          <a:solidFill>
-            <a:srgbClr val="0F3C89"/>
-          </a:solidFill>
-        </p:grpSpPr>
-        <p:sp>
-          <p:nvSpPr>
-            <p:cNvPr id="5" name="文本框 4">
-              <a:extLst>
-                <a:ext uri="{FF2B5EF4-FFF2-40B4-BE49-F238E27FC236}">
-                  <a16:creationId xmlns:a16="http://schemas.microsoft.com/office/drawing/2014/main" id="{EF1391B4-4CDA-43F0-A44E-1EDC8387A3D3}"/>
-                </a:ext>
-              </a:extLst>
-            </p:cNvPr>
-            <p:cNvSpPr txBox="1"/>
-            <p:nvPr/>
-          </p:nvSpPr>
-          <p:spPr>
-            <a:xfrm>
-              <a:off x="1" y="0"/>
-              <a:ext cx="1460935" cy="6858000"/>
-            </a:xfrm>
-            <a:prstGeom prst="rect">
-              <a:avLst/>
-            </a:prstGeom>
-            <a:grpFill/>
-          </p:spPr>
-          <p:txBody>
-            <a:bodyPr wrap="square" rtlCol="0">
-              <a:spAutoFit/>
-            </a:bodyPr>
-            <a:lstStyle/>
-            <a:p>
-              <a:endParaRPr lang="zh-CN" altLang="en-US" dirty="0"/>
-            </a:p>
-          </p:txBody>
-        </p:sp>
-        <p:sp>
-          <p:nvSpPr>
-            <p:cNvPr id="6" name="等腰三角形 5">
-              <a:extLst>
-                <a:ext uri="{FF2B5EF4-FFF2-40B4-BE49-F238E27FC236}">
-                  <a16:creationId xmlns:a16="http://schemas.microsoft.com/office/drawing/2014/main" id="{C2CC2C19-4F2C-434F-B66C-6616E1C2AF44}"/>
-                </a:ext>
-              </a:extLst>
-            </p:cNvPr>
-            <p:cNvSpPr/>
-            <p:nvPr/>
-          </p:nvSpPr>
-          <p:spPr>
-            <a:xfrm rot="5400000">
-              <a:off x="1371991" y="1996303"/>
-              <a:ext cx="303532" cy="145416"/>
-            </a:xfrm>
-            <a:prstGeom prst="triangle">
-              <a:avLst/>
-            </a:prstGeom>
-            <a:grpFill/>
-            <a:ln>
-              <a:noFill/>
-            </a:ln>
-          </p:spPr>
-          <p:style>
-            <a:lnRef idx="2">
-              <a:schemeClr val="accent1">
-                <a:shade val="50000"/>
-              </a:schemeClr>
-            </a:lnRef>
-            <a:fillRef idx="1">
-              <a:schemeClr val="accent1"/>
-            </a:fillRef>
-            <a:effectRef idx="0">
-              <a:schemeClr val="accent1"/>
-            </a:effectRef>
-            <a:fontRef idx="minor">
-              <a:schemeClr val="lt1"/>
-            </a:fontRef>
-          </p:style>
-          <p:txBody>
-            <a:bodyPr rtlCol="0" anchor="ctr"/>
-            <a:lstStyle/>
-            <a:p>
-              <a:pPr algn="ctr"/>
-              <a:endParaRPr lang="zh-CN" altLang="en-US"/>
-            </a:p>
-          </p:txBody>
-        </p:sp>
-      </p:grpSp>
-      <p:sp>
-        <p:nvSpPr>
-          <p:cNvPr id="7" name="文本框 6">
-            <a:extLst>
-              <a:ext uri="{FF2B5EF4-FFF2-40B4-BE49-F238E27FC236}">
-                <a16:creationId xmlns:a16="http://schemas.microsoft.com/office/drawing/2014/main" id="{F5F92B4A-ED03-4FAD-9618-8CEE5658093E}"/>
-              </a:ext>
-            </a:extLst>
-          </p:cNvPr>
-          <p:cNvSpPr txBox="1">
-            <a:spLocks/>
-          </p:cNvSpPr>
-          <p:nvPr/>
-        </p:nvSpPr>
-        <p:spPr>
-          <a:xfrm>
-            <a:off x="34732" y="1052653"/>
-            <a:ext cx="2156145" cy="400110"/>
-          </a:xfrm>
-          <a:prstGeom prst="rect">
-            <a:avLst/>
-          </a:prstGeom>
-          <a:noFill/>
-        </p:spPr>
-        <p:txBody>
-          <a:bodyPr wrap="square" rtlCol="0">
-            <a:spAutoFit/>
-          </a:bodyPr>
-          <a:lstStyle>
-            <a:defPPr>
-              <a:defRPr lang="zh-CN"/>
-            </a:defPPr>
-            <a:lvl1pPr>
-              <a:defRPr sz="2000">
-                <a:solidFill>
-                  <a:schemeClr val="bg1">
-                    <a:alpha val="50000"/>
-                  </a:schemeClr>
-                </a:solidFill>
-                <a:latin typeface="微软雅黑" panose="020B0503020204020204" pitchFamily="34" charset="-122"/>
-                <a:ea typeface="微软雅黑" panose="020B0503020204020204" pitchFamily="34" charset="-122"/>
-              </a:defRPr>
-            </a:lvl1pPr>
-          </a:lstStyle>
-          <a:p>
-            <a:r>
-              <a:rPr lang="fr-FR" altLang="zh-CN" dirty="0"/>
-              <a:t>Problématique</a:t>
-            </a:r>
-          </a:p>
-        </p:txBody>
-      </p:sp>
-      <p:sp>
-        <p:nvSpPr>
-          <p:cNvPr id="8" name="文本框 7">
-            <a:extLst>
-              <a:ext uri="{FF2B5EF4-FFF2-40B4-BE49-F238E27FC236}">
-                <a16:creationId xmlns:a16="http://schemas.microsoft.com/office/drawing/2014/main" id="{A251A06C-FD8F-471A-90E9-15DCC9B81462}"/>
-              </a:ext>
-            </a:extLst>
-          </p:cNvPr>
-          <p:cNvSpPr txBox="1">
-            <a:spLocks/>
-          </p:cNvSpPr>
-          <p:nvPr/>
-        </p:nvSpPr>
-        <p:spPr>
-          <a:xfrm>
-            <a:off x="34731" y="1839037"/>
-            <a:ext cx="1135247" cy="400110"/>
-          </a:xfrm>
-          <a:prstGeom prst="rect">
-            <a:avLst/>
-          </a:prstGeom>
-          <a:noFill/>
-        </p:spPr>
-        <p:txBody>
-          <a:bodyPr wrap="square" rtlCol="0">
-            <a:spAutoFit/>
-          </a:bodyPr>
-          <a:lstStyle>
-            <a:defPPr>
-              <a:defRPr lang="zh-CN"/>
-            </a:defPPr>
-            <a:lvl1pPr>
-              <a:defRPr sz="2000">
-                <a:solidFill>
-                  <a:schemeClr val="bg1">
-                    <a:alpha val="50000"/>
-                  </a:schemeClr>
-                </a:solidFill>
-                <a:latin typeface="微软雅黑" panose="020B0503020204020204" pitchFamily="34" charset="-122"/>
-                <a:ea typeface="微软雅黑" panose="020B0503020204020204" pitchFamily="34" charset="-122"/>
-              </a:defRPr>
-            </a:lvl1pPr>
-          </a:lstStyle>
-          <a:p>
-            <a:r>
-              <a:rPr lang="fr-CA" altLang="zh-CN" dirty="0"/>
-              <a:t>Analyse</a:t>
-            </a:r>
-            <a:endParaRPr lang="zh-CN" altLang="en-US" dirty="0"/>
-          </a:p>
-        </p:txBody>
-      </p:sp>
-      <p:sp>
-        <p:nvSpPr>
-          <p:cNvPr id="9" name="文本框 8">
-            <a:extLst>
-              <a:ext uri="{FF2B5EF4-FFF2-40B4-BE49-F238E27FC236}">
-                <a16:creationId xmlns:a16="http://schemas.microsoft.com/office/drawing/2014/main" id="{B7D94083-FB26-4128-83AA-9F8472B92C76}"/>
-              </a:ext>
-            </a:extLst>
-          </p:cNvPr>
-          <p:cNvSpPr txBox="1">
-            <a:spLocks/>
-          </p:cNvSpPr>
-          <p:nvPr/>
-        </p:nvSpPr>
-        <p:spPr>
-          <a:xfrm>
-            <a:off x="34731" y="2625421"/>
-            <a:ext cx="1536317" cy="400110"/>
-          </a:xfrm>
-          <a:prstGeom prst="rect">
-            <a:avLst/>
-          </a:prstGeom>
-          <a:noFill/>
-        </p:spPr>
-        <p:txBody>
-          <a:bodyPr wrap="square" rtlCol="0">
-            <a:spAutoFit/>
-          </a:bodyPr>
-          <a:lstStyle>
-            <a:defPPr>
-              <a:defRPr lang="zh-CN"/>
-            </a:defPPr>
-            <a:lvl1pPr>
-              <a:defRPr sz="2000">
-                <a:solidFill>
-                  <a:schemeClr val="bg1"/>
-                </a:solidFill>
-                <a:latin typeface="微软雅黑" panose="020B0503020204020204" pitchFamily="34" charset="-122"/>
-                <a:ea typeface="微软雅黑" panose="020B0503020204020204" pitchFamily="34" charset="-122"/>
-              </a:defRPr>
-            </a:lvl1pPr>
-          </a:lstStyle>
-          <a:p>
-            <a:r>
-              <a:rPr lang="fr-CA" altLang="zh-CN" dirty="0"/>
-              <a:t>Réalisation</a:t>
-            </a:r>
-            <a:endParaRPr lang="zh-CN" altLang="en-US" dirty="0"/>
-          </a:p>
-        </p:txBody>
-      </p:sp>
-      <p:sp>
-        <p:nvSpPr>
-          <p:cNvPr id="10" name="文本框 9">
-            <a:extLst>
-              <a:ext uri="{FF2B5EF4-FFF2-40B4-BE49-F238E27FC236}">
-                <a16:creationId xmlns:a16="http://schemas.microsoft.com/office/drawing/2014/main" id="{E8C01AA5-0BBA-4FAB-9E90-242632CB1E0E}"/>
-              </a:ext>
-            </a:extLst>
-          </p:cNvPr>
-          <p:cNvSpPr txBox="1">
-            <a:spLocks/>
-          </p:cNvSpPr>
-          <p:nvPr/>
-        </p:nvSpPr>
-        <p:spPr>
-          <a:xfrm>
-            <a:off x="34731" y="3411805"/>
-            <a:ext cx="1894003" cy="400110"/>
-          </a:xfrm>
-          <a:prstGeom prst="rect">
-            <a:avLst/>
-          </a:prstGeom>
-          <a:noFill/>
-        </p:spPr>
-        <p:txBody>
-          <a:bodyPr wrap="square" rtlCol="0">
-            <a:spAutoFit/>
-          </a:bodyPr>
-          <a:lstStyle/>
-          <a:p>
-            <a:r>
-              <a:rPr lang="fr-CA" altLang="zh-CN" sz="2000" dirty="0">
-                <a:solidFill>
-                  <a:schemeClr val="bg1">
-                    <a:alpha val="50000"/>
-                  </a:schemeClr>
-                </a:solidFill>
-                <a:latin typeface="微软雅黑" panose="020B0503020204020204" pitchFamily="34" charset="-122"/>
-                <a:ea typeface="微软雅黑" panose="020B0503020204020204" pitchFamily="34" charset="-122"/>
-              </a:rPr>
-              <a:t>Amélioration</a:t>
-            </a:r>
-            <a:endParaRPr lang="zh-CN" altLang="en-US" sz="2000" dirty="0">
-              <a:solidFill>
-                <a:schemeClr val="bg1">
-                  <a:alpha val="50000"/>
-                </a:schemeClr>
-              </a:solidFill>
-              <a:latin typeface="微软雅黑" panose="020B0503020204020204" pitchFamily="34" charset="-122"/>
-              <a:ea typeface="微软雅黑" panose="020B0503020204020204" pitchFamily="34" charset="-122"/>
-            </a:endParaRPr>
-          </a:p>
-        </p:txBody>
-      </p:sp>
-      <p:pic>
-        <p:nvPicPr>
-          <p:cNvPr id="12" name="图片 11">
-            <a:extLst>
-              <a:ext uri="{FF2B5EF4-FFF2-40B4-BE49-F238E27FC236}">
-                <a16:creationId xmlns:a16="http://schemas.microsoft.com/office/drawing/2014/main" id="{0A3039C2-6AB3-4BE0-9213-5C24049B970F}"/>
-              </a:ext>
-            </a:extLst>
-          </p:cNvPr>
-          <p:cNvPicPr>
-            <a:picLocks noChangeAspect="1"/>
-          </p:cNvPicPr>
-          <p:nvPr/>
-        </p:nvPicPr>
-        <p:blipFill>
-          <a:blip r:embed="rId3"/>
-          <a:stretch>
-            <a:fillRect/>
-          </a:stretch>
-        </p:blipFill>
-        <p:spPr>
-          <a:xfrm>
-            <a:off x="2509277" y="1773565"/>
-            <a:ext cx="8715375" cy="4076700"/>
-          </a:xfrm>
-          <a:prstGeom prst="rect">
-            <a:avLst/>
-          </a:prstGeom>
-        </p:spPr>
-      </p:pic>
-      <p:sp>
-        <p:nvSpPr>
-          <p:cNvPr id="18" name="箭头: 右 17">
-            <a:extLst>
-              <a:ext uri="{FF2B5EF4-FFF2-40B4-BE49-F238E27FC236}">
-                <a16:creationId xmlns:a16="http://schemas.microsoft.com/office/drawing/2014/main" id="{1C857124-C0D0-4658-9BF9-5824A7B4CEEE}"/>
-              </a:ext>
-            </a:extLst>
-          </p:cNvPr>
-          <p:cNvSpPr/>
-          <p:nvPr/>
-        </p:nvSpPr>
-        <p:spPr>
-          <a:xfrm>
-            <a:off x="2888990" y="987884"/>
-            <a:ext cx="536201" cy="271141"/>
-          </a:xfrm>
-          <a:prstGeom prst="rightArrow">
-            <a:avLst/>
-          </a:prstGeom>
-          <a:noFill/>
-          <a:ln w="28575">
-            <a:solidFill>
-              <a:schemeClr val="accent5">
-                <a:lumMod val="75000"/>
-              </a:schemeClr>
-            </a:solidFill>
-            <a:prstDash val="sysDash"/>
-          </a:ln>
-        </p:spPr>
-        <p:style>
-          <a:lnRef idx="2">
-            <a:schemeClr val="accent1">
-              <a:shade val="50000"/>
-            </a:schemeClr>
-          </a:lnRef>
-          <a:fillRef idx="1">
-            <a:schemeClr val="accent1"/>
-          </a:fillRef>
-          <a:effectRef idx="0">
-            <a:schemeClr val="accent1"/>
-          </a:effectRef>
-          <a:fontRef idx="minor">
-            <a:schemeClr val="lt1"/>
-          </a:fontRef>
-        </p:style>
-        <p:txBody>
-          <a:bodyPr rtlCol="0" anchor="ctr"/>
-          <a:lstStyle/>
-          <a:p>
-            <a:pPr algn="ctr"/>
-            <a:endParaRPr lang="fr-CA" sz="2000">
-              <a:solidFill>
-                <a:schemeClr val="accent5">
-                  <a:lumMod val="75000"/>
-                </a:schemeClr>
-              </a:solidFill>
-              <a:latin typeface="微软雅黑" panose="020B0503020204020204" pitchFamily="34" charset="-122"/>
-              <a:ea typeface="微软雅黑" panose="020B0503020204020204" pitchFamily="34" charset="-122"/>
-              <a:cs typeface="Arial" panose="020B0604020202020204" pitchFamily="34" charset="0"/>
-            </a:endParaRPr>
-          </a:p>
-        </p:txBody>
-      </p:sp>
-      <p:sp>
-        <p:nvSpPr>
-          <p:cNvPr id="19" name="文本框 18">
-            <a:extLst>
-              <a:ext uri="{FF2B5EF4-FFF2-40B4-BE49-F238E27FC236}">
-                <a16:creationId xmlns:a16="http://schemas.microsoft.com/office/drawing/2014/main" id="{69BF9B28-E391-4BF0-A4D9-966A7921742C}"/>
-              </a:ext>
-            </a:extLst>
-          </p:cNvPr>
-          <p:cNvSpPr txBox="1"/>
-          <p:nvPr/>
-        </p:nvSpPr>
-        <p:spPr>
-          <a:xfrm>
-            <a:off x="3606977" y="933482"/>
-            <a:ext cx="1205779" cy="400110"/>
-          </a:xfrm>
-          <a:prstGeom prst="rect">
-            <a:avLst/>
-          </a:prstGeom>
-          <a:noFill/>
-          <a:ln>
-            <a:noFill/>
-          </a:ln>
-        </p:spPr>
-        <p:txBody>
-          <a:bodyPr wrap="none" rtlCol="0">
-            <a:spAutoFit/>
-          </a:bodyPr>
-          <a:lstStyle/>
-          <a:p>
-            <a:r>
-              <a:rPr lang="fr-CA" sz="2000" dirty="0" err="1">
-                <a:solidFill>
-                  <a:schemeClr val="accent5">
-                    <a:lumMod val="75000"/>
-                  </a:schemeClr>
-                </a:solidFill>
-                <a:latin typeface="微软雅黑" panose="020B0503020204020204" pitchFamily="34" charset="-122"/>
-                <a:ea typeface="微软雅黑" panose="020B0503020204020204" pitchFamily="34" charset="-122"/>
-                <a:cs typeface="Arial" panose="020B0604020202020204" pitchFamily="34" charset="0"/>
-              </a:rPr>
-              <a:t>OpenCV</a:t>
-            </a:r>
-            <a:endParaRPr lang="fr-CA" sz="2000" dirty="0">
-              <a:solidFill>
-                <a:schemeClr val="accent5">
-                  <a:lumMod val="75000"/>
-                </a:schemeClr>
-              </a:solidFill>
-              <a:latin typeface="微软雅黑" panose="020B0503020204020204" pitchFamily="34" charset="-122"/>
-              <a:ea typeface="微软雅黑" panose="020B0503020204020204" pitchFamily="34" charset="-122"/>
-              <a:cs typeface="Arial" panose="020B0604020202020204" pitchFamily="34" charset="0"/>
-            </a:endParaRPr>
-          </a:p>
-        </p:txBody>
-      </p:sp>
-      <p:sp>
-        <p:nvSpPr>
-          <p:cNvPr id="20" name="箭头: 右 19">
-            <a:extLst>
-              <a:ext uri="{FF2B5EF4-FFF2-40B4-BE49-F238E27FC236}">
-                <a16:creationId xmlns:a16="http://schemas.microsoft.com/office/drawing/2014/main" id="{ACA91B01-7B98-4A9E-AF0B-440CA43E2644}"/>
-              </a:ext>
-            </a:extLst>
-          </p:cNvPr>
-          <p:cNvSpPr/>
-          <p:nvPr/>
-        </p:nvSpPr>
-        <p:spPr>
-          <a:xfrm>
-            <a:off x="5201878" y="987881"/>
-            <a:ext cx="536201" cy="271141"/>
-          </a:xfrm>
-          <a:prstGeom prst="rightArrow">
-            <a:avLst/>
-          </a:prstGeom>
-          <a:noFill/>
-          <a:ln w="28575">
-            <a:solidFill>
-              <a:schemeClr val="accent5">
-                <a:lumMod val="75000"/>
-              </a:schemeClr>
-            </a:solidFill>
-            <a:prstDash val="sysDash"/>
-          </a:ln>
-        </p:spPr>
-        <p:style>
-          <a:lnRef idx="2">
-            <a:schemeClr val="accent1">
-              <a:shade val="50000"/>
-            </a:schemeClr>
-          </a:lnRef>
-          <a:fillRef idx="1">
-            <a:schemeClr val="accent1"/>
-          </a:fillRef>
-          <a:effectRef idx="0">
-            <a:schemeClr val="accent1"/>
-          </a:effectRef>
-          <a:fontRef idx="minor">
-            <a:schemeClr val="lt1"/>
-          </a:fontRef>
-        </p:style>
-        <p:txBody>
-          <a:bodyPr rtlCol="0" anchor="ctr"/>
-          <a:lstStyle/>
-          <a:p>
-            <a:pPr algn="ctr"/>
-            <a:endParaRPr lang="fr-CA" sz="2000">
-              <a:solidFill>
-                <a:schemeClr val="accent5">
-                  <a:lumMod val="75000"/>
-                </a:schemeClr>
-              </a:solidFill>
-              <a:latin typeface="微软雅黑" panose="020B0503020204020204" pitchFamily="34" charset="-122"/>
-              <a:ea typeface="微软雅黑" panose="020B0503020204020204" pitchFamily="34" charset="-122"/>
-              <a:cs typeface="Arial" panose="020B0604020202020204" pitchFamily="34" charset="0"/>
-            </a:endParaRPr>
-          </a:p>
-        </p:txBody>
-      </p:sp>
-      <p:pic>
-        <p:nvPicPr>
-          <p:cNvPr id="21" name="图片 20">
-            <a:extLst>
-              <a:ext uri="{FF2B5EF4-FFF2-40B4-BE49-F238E27FC236}">
-                <a16:creationId xmlns:a16="http://schemas.microsoft.com/office/drawing/2014/main" id="{DCB19B41-3580-4CB4-B3A9-B14D47516E66}"/>
-              </a:ext>
-            </a:extLst>
-          </p:cNvPr>
-          <p:cNvPicPr>
-            <a:picLocks noChangeAspect="1"/>
-          </p:cNvPicPr>
-          <p:nvPr/>
-        </p:nvPicPr>
-        <p:blipFill>
-          <a:blip r:embed="rId4"/>
-          <a:stretch>
-            <a:fillRect/>
-          </a:stretch>
-        </p:blipFill>
-        <p:spPr>
-          <a:xfrm>
-            <a:off x="6167255" y="987881"/>
-            <a:ext cx="1876425" cy="238125"/>
-          </a:xfrm>
-          <a:prstGeom prst="rect">
-            <a:avLst/>
-          </a:prstGeom>
-        </p:spPr>
-      </p:pic>
-    </p:spTree>
-    <p:extLst>
-      <p:ext uri="{BB962C8B-B14F-4D97-AF65-F5344CB8AC3E}">
-        <p14:creationId xmlns:p14="http://schemas.microsoft.com/office/powerpoint/2010/main" val="3568213743"/>
       </p:ext>
     </p:extLst>
   </p:cSld>
